--- a/power platform virtual network support architecture.pptx
+++ b/power platform virtual network support architecture.pptx
@@ -6,6 +6,7 @@
   </p:sldMasterIdLst>
   <p:sldIdLst>
     <p:sldId id="257" r:id="rId2"/>
+    <p:sldId id="258" r:id="rId3"/>
   </p:sldIdLst>
   <p:sldSz cx="12192000" cy="6858000"/>
   <p:notesSz cx="6858000" cy="9144000"/>
@@ -104,7 +105,49 @@
       </a:defRPr>
     </a:lvl9pPr>
   </p:defaultTextStyle>
+  <p:extLst>
+    <p:ext uri="{EFAFB233-063F-42B5-8137-9DF3F51BA10A}">
+      <p15:sldGuideLst xmlns:p15="http://schemas.microsoft.com/office/powerpoint/2012/main"/>
+    </p:ext>
+  </p:extLst>
 </p:presentation>
+</file>
+
+<file path=ppt/changesInfos/changesInfo1.xml><?xml version="1.0" encoding="utf-8"?>
+<pc:chgInfo xmlns:a="http://schemas.openxmlformats.org/drawingml/2006/main" xmlns:r="http://schemas.openxmlformats.org/officeDocument/2006/relationships" xmlns:ac="http://schemas.microsoft.com/office/drawing/2013/main/command" xmlns:pc="http://schemas.microsoft.com/office/powerpoint/2013/main/command">
+  <pc:docChgLst>
+    <pc:chgData name="Youkhang Rha" userId="045bc4d3-670a-402c-bf34-cdc5c3e11530" providerId="ADAL" clId="{B9634846-136D-4376-8DF8-DD229EE5FB56}"/>
+    <pc:docChg chg="custSel addSld modSld">
+      <pc:chgData name="Youkhang Rha" userId="045bc4d3-670a-402c-bf34-cdc5c3e11530" providerId="ADAL" clId="{B9634846-136D-4376-8DF8-DD229EE5FB56}" dt="2025-06-19T07:44:53.446" v="1" actId="478"/>
+      <pc:docMkLst>
+        <pc:docMk/>
+      </pc:docMkLst>
+      <pc:sldChg chg="delSp new mod">
+        <pc:chgData name="Youkhang Rha" userId="045bc4d3-670a-402c-bf34-cdc5c3e11530" providerId="ADAL" clId="{B9634846-136D-4376-8DF8-DD229EE5FB56}" dt="2025-06-19T07:44:53.446" v="1" actId="478"/>
+        <pc:sldMkLst>
+          <pc:docMk/>
+          <pc:sldMk cId="2345026120" sldId="258"/>
+        </pc:sldMkLst>
+        <pc:spChg chg="del">
+          <ac:chgData name="Youkhang Rha" userId="045bc4d3-670a-402c-bf34-cdc5c3e11530" providerId="ADAL" clId="{B9634846-136D-4376-8DF8-DD229EE5FB56}" dt="2025-06-19T07:44:53.446" v="1" actId="478"/>
+          <ac:spMkLst>
+            <pc:docMk/>
+            <pc:sldMk cId="2345026120" sldId="258"/>
+            <ac:spMk id="2" creationId="{543CDBFE-1C42-6FC4-7E8F-59E218319E5A}"/>
+          </ac:spMkLst>
+        </pc:spChg>
+        <pc:spChg chg="del">
+          <ac:chgData name="Youkhang Rha" userId="045bc4d3-670a-402c-bf34-cdc5c3e11530" providerId="ADAL" clId="{B9634846-136D-4376-8DF8-DD229EE5FB56}" dt="2025-06-19T07:44:53.446" v="1" actId="478"/>
+          <ac:spMkLst>
+            <pc:docMk/>
+            <pc:sldMk cId="2345026120" sldId="258"/>
+            <ac:spMk id="3" creationId="{1CE73951-860F-61C4-E389-ACF212F6A081}"/>
+          </ac:spMkLst>
+        </pc:spChg>
+      </pc:sldChg>
+    </pc:docChg>
+  </pc:docChgLst>
+</pc:chgInfo>
 </file>
 
 <file path=ppt/slideLayouts/slideLayout1.xml><?xml version="1.0" encoding="utf-8"?>
@@ -254,7 +297,7 @@
           <a:p>
             <a:fld id="{D4C82071-B9F9-4F72-9FD8-E9E8EFE5C1D2}" type="datetimeFigureOut">
               <a:rPr lang="en-US" smtClean="0"/>
-              <a:t>6/9/2025</a:t>
+              <a:t>6/19/2025</a:t>
             </a:fld>
             <a:endParaRPr lang="en-US"/>
           </a:p>
@@ -452,7 +495,7 @@
           <a:p>
             <a:fld id="{D4C82071-B9F9-4F72-9FD8-E9E8EFE5C1D2}" type="datetimeFigureOut">
               <a:rPr lang="en-US" smtClean="0"/>
-              <a:t>6/9/2025</a:t>
+              <a:t>6/19/2025</a:t>
             </a:fld>
             <a:endParaRPr lang="en-US"/>
           </a:p>
@@ -660,7 +703,7 @@
           <a:p>
             <a:fld id="{D4C82071-B9F9-4F72-9FD8-E9E8EFE5C1D2}" type="datetimeFigureOut">
               <a:rPr lang="en-US" smtClean="0"/>
-              <a:t>6/9/2025</a:t>
+              <a:t>6/19/2025</a:t>
             </a:fld>
             <a:endParaRPr lang="en-US"/>
           </a:p>
@@ -858,7 +901,7 @@
           <a:p>
             <a:fld id="{D4C82071-B9F9-4F72-9FD8-E9E8EFE5C1D2}" type="datetimeFigureOut">
               <a:rPr lang="en-US" smtClean="0"/>
-              <a:t>6/9/2025</a:t>
+              <a:t>6/19/2025</a:t>
             </a:fld>
             <a:endParaRPr lang="en-US"/>
           </a:p>
@@ -1133,7 +1176,7 @@
           <a:p>
             <a:fld id="{D4C82071-B9F9-4F72-9FD8-E9E8EFE5C1D2}" type="datetimeFigureOut">
               <a:rPr lang="en-US" smtClean="0"/>
-              <a:t>6/9/2025</a:t>
+              <a:t>6/19/2025</a:t>
             </a:fld>
             <a:endParaRPr lang="en-US"/>
           </a:p>
@@ -1398,7 +1441,7 @@
           <a:p>
             <a:fld id="{D4C82071-B9F9-4F72-9FD8-E9E8EFE5C1D2}" type="datetimeFigureOut">
               <a:rPr lang="en-US" smtClean="0"/>
-              <a:t>6/9/2025</a:t>
+              <a:t>6/19/2025</a:t>
             </a:fld>
             <a:endParaRPr lang="en-US"/>
           </a:p>
@@ -1810,7 +1853,7 @@
           <a:p>
             <a:fld id="{D4C82071-B9F9-4F72-9FD8-E9E8EFE5C1D2}" type="datetimeFigureOut">
               <a:rPr lang="en-US" smtClean="0"/>
-              <a:t>6/9/2025</a:t>
+              <a:t>6/19/2025</a:t>
             </a:fld>
             <a:endParaRPr lang="en-US"/>
           </a:p>
@@ -1951,7 +1994,7 @@
           <a:p>
             <a:fld id="{D4C82071-B9F9-4F72-9FD8-E9E8EFE5C1D2}" type="datetimeFigureOut">
               <a:rPr lang="en-US" smtClean="0"/>
-              <a:t>6/9/2025</a:t>
+              <a:t>6/19/2025</a:t>
             </a:fld>
             <a:endParaRPr lang="en-US"/>
           </a:p>
@@ -2064,7 +2107,7 @@
           <a:p>
             <a:fld id="{D4C82071-B9F9-4F72-9FD8-E9E8EFE5C1D2}" type="datetimeFigureOut">
               <a:rPr lang="en-US" smtClean="0"/>
-              <a:t>6/9/2025</a:t>
+              <a:t>6/19/2025</a:t>
             </a:fld>
             <a:endParaRPr lang="en-US"/>
           </a:p>
@@ -2375,7 +2418,7 @@
           <a:p>
             <a:fld id="{D4C82071-B9F9-4F72-9FD8-E9E8EFE5C1D2}" type="datetimeFigureOut">
               <a:rPr lang="en-US" smtClean="0"/>
-              <a:t>6/9/2025</a:t>
+              <a:t>6/19/2025</a:t>
             </a:fld>
             <a:endParaRPr lang="en-US"/>
           </a:p>
@@ -2663,7 +2706,7 @@
           <a:p>
             <a:fld id="{D4C82071-B9F9-4F72-9FD8-E9E8EFE5C1D2}" type="datetimeFigureOut">
               <a:rPr lang="en-US" smtClean="0"/>
-              <a:t>6/9/2025</a:t>
+              <a:t>6/19/2025</a:t>
             </a:fld>
             <a:endParaRPr lang="en-US"/>
           </a:p>
@@ -2904,7 +2947,7 @@
           <a:p>
             <a:fld id="{D4C82071-B9F9-4F72-9FD8-E9E8EFE5C1D2}" type="datetimeFigureOut">
               <a:rPr lang="en-US" smtClean="0"/>
-              <a:t>6/9/2025</a:t>
+              <a:t>6/19/2025</a:t>
             </a:fld>
             <a:endParaRPr lang="en-US"/>
           </a:p>
@@ -5689,6 +5732,36 @@
     <p:extLst>
       <p:ext uri="{BB962C8B-B14F-4D97-AF65-F5344CB8AC3E}">
         <p14:creationId xmlns:p14="http://schemas.microsoft.com/office/powerpoint/2010/main" val="2492331245"/>
+      </p:ext>
+    </p:extLst>
+  </p:cSld>
+  <p:clrMapOvr>
+    <a:masterClrMapping/>
+  </p:clrMapOvr>
+</p:sld>
+</file>
+
+<file path=ppt/slides/slide2.xml><?xml version="1.0" encoding="utf-8"?>
+<p:sld xmlns:a="http://schemas.openxmlformats.org/drawingml/2006/main" xmlns:r="http://schemas.openxmlformats.org/officeDocument/2006/relationships" xmlns:p="http://schemas.openxmlformats.org/presentationml/2006/main">
+  <p:cSld>
+    <p:spTree>
+      <p:nvGrpSpPr>
+        <p:cNvPr id="1" name=""/>
+        <p:cNvGrpSpPr/>
+        <p:nvPr/>
+      </p:nvGrpSpPr>
+      <p:grpSpPr>
+        <a:xfrm>
+          <a:off x="0" y="0"/>
+          <a:ext cx="0" cy="0"/>
+          <a:chOff x="0" y="0"/>
+          <a:chExt cx="0" cy="0"/>
+        </a:xfrm>
+      </p:grpSpPr>
+    </p:spTree>
+    <p:extLst>
+      <p:ext uri="{BB962C8B-B14F-4D97-AF65-F5344CB8AC3E}">
+        <p14:creationId xmlns:p14="http://schemas.microsoft.com/office/powerpoint/2010/main" val="2345026120"/>
       </p:ext>
     </p:extLst>
   </p:cSld>
@@ -6015,6 +6088,6 @@
 
 <file path=docMetadata/LabelInfo.xml><?xml version="1.0" encoding="utf-8"?>
 <clbl:labelList xmlns:clbl="http://schemas.microsoft.com/office/2020/mipLabelMetadata">
-  <clbl:label id="{f42aa342-8706-4288-bd11-ebb85995028c}" enabled="1" method="Privileged" siteId="{72f988bf-86f1-41af-91ab-2d7cd011db47}" contentBits="0" removed="0"/>
+  <clbl:label id="{f42aa342-8706-4288-bd11-ebb85995028c}" enabled="1" method="Privileged" siteId="{72f988bf-86f1-41af-91ab-2d7cd011db47}" removed="0"/>
 </clbl:labelList>
 </file>
--- a/power platform virtual network support architecture.pptx
+++ b/power platform virtual network support architecture.pptx
@@ -6,7 +6,7 @@
   </p:sldMasterIdLst>
   <p:sldIdLst>
     <p:sldId id="257" r:id="rId2"/>
-    <p:sldId id="258" r:id="rId3"/>
+    <p:sldId id="259" r:id="rId3"/>
   </p:sldIdLst>
   <p:sldSz cx="12192000" cy="6858000"/>
   <p:notesSz cx="6858000" cy="9144000"/>
@@ -113,17 +113,25 @@
 </p:presentation>
 </file>
 
+<file path=ppt/revisionInfo.xml><?xml version="1.0" encoding="utf-8"?>
+<p1510:revInfo xmlns:a="http://schemas.openxmlformats.org/drawingml/2006/main" xmlns:r="http://schemas.openxmlformats.org/officeDocument/2006/relationships" xmlns:p1510="http://schemas.microsoft.com/office/powerpoint/2015/10/main">
+  <p1510:revLst>
+    <p1510:client id="{B9634846-136D-4376-8DF8-DD229EE5FB56}" v="53" dt="2025-06-19T12:53:04.823"/>
+  </p1510:revLst>
+</p1510:revInfo>
+</file>
+
 <file path=ppt/changesInfos/changesInfo1.xml><?xml version="1.0" encoding="utf-8"?>
 <pc:chgInfo xmlns:a="http://schemas.openxmlformats.org/drawingml/2006/main" xmlns:r="http://schemas.openxmlformats.org/officeDocument/2006/relationships" xmlns:ac="http://schemas.microsoft.com/office/drawing/2013/main/command" xmlns:pc="http://schemas.microsoft.com/office/powerpoint/2013/main/command">
   <pc:docChgLst>
     <pc:chgData name="Youkhang Rha" userId="045bc4d3-670a-402c-bf34-cdc5c3e11530" providerId="ADAL" clId="{B9634846-136D-4376-8DF8-DD229EE5FB56}"/>
-    <pc:docChg chg="custSel addSld modSld">
-      <pc:chgData name="Youkhang Rha" userId="045bc4d3-670a-402c-bf34-cdc5c3e11530" providerId="ADAL" clId="{B9634846-136D-4376-8DF8-DD229EE5FB56}" dt="2025-06-19T07:44:53.446" v="1" actId="478"/>
+    <pc:docChg chg="undo custSel addSld delSld modSld">
+      <pc:chgData name="Youkhang Rha" userId="045bc4d3-670a-402c-bf34-cdc5c3e11530" providerId="ADAL" clId="{B9634846-136D-4376-8DF8-DD229EE5FB56}" dt="2025-06-19T12:53:04.823" v="269" actId="1076"/>
       <pc:docMkLst>
         <pc:docMk/>
       </pc:docMkLst>
-      <pc:sldChg chg="delSp new mod">
-        <pc:chgData name="Youkhang Rha" userId="045bc4d3-670a-402c-bf34-cdc5c3e11530" providerId="ADAL" clId="{B9634846-136D-4376-8DF8-DD229EE5FB56}" dt="2025-06-19T07:44:53.446" v="1" actId="478"/>
+      <pc:sldChg chg="delSp new del mod">
+        <pc:chgData name="Youkhang Rha" userId="045bc4d3-670a-402c-bf34-cdc5c3e11530" providerId="ADAL" clId="{B9634846-136D-4376-8DF8-DD229EE5FB56}" dt="2025-06-19T12:38:41.108" v="3" actId="47"/>
         <pc:sldMkLst>
           <pc:docMk/>
           <pc:sldMk cId="2345026120" sldId="258"/>
@@ -144,6 +152,453 @@
             <ac:spMk id="3" creationId="{1CE73951-860F-61C4-E389-ACF212F6A081}"/>
           </ac:spMkLst>
         </pc:spChg>
+      </pc:sldChg>
+      <pc:sldChg chg="addSp delSp modSp add mod">
+        <pc:chgData name="Youkhang Rha" userId="045bc4d3-670a-402c-bf34-cdc5c3e11530" providerId="ADAL" clId="{B9634846-136D-4376-8DF8-DD229EE5FB56}" dt="2025-06-19T12:53:04.823" v="269" actId="1076"/>
+        <pc:sldMkLst>
+          <pc:docMk/>
+          <pc:sldMk cId="1937898272" sldId="259"/>
+        </pc:sldMkLst>
+        <pc:spChg chg="mod">
+          <ac:chgData name="Youkhang Rha" userId="045bc4d3-670a-402c-bf34-cdc5c3e11530" providerId="ADAL" clId="{B9634846-136D-4376-8DF8-DD229EE5FB56}" dt="2025-06-19T12:45:28.602" v="63" actId="14100"/>
+          <ac:spMkLst>
+            <pc:docMk/>
+            <pc:sldMk cId="1937898272" sldId="259"/>
+            <ac:spMk id="7" creationId="{517B7B56-71FA-CC86-B56F-B8FC329D85E4}"/>
+          </ac:spMkLst>
+        </pc:spChg>
+        <pc:spChg chg="mod">
+          <ac:chgData name="Youkhang Rha" userId="045bc4d3-670a-402c-bf34-cdc5c3e11530" providerId="ADAL" clId="{B9634846-136D-4376-8DF8-DD229EE5FB56}" dt="2025-06-19T12:46:37.059" v="109" actId="1076"/>
+          <ac:spMkLst>
+            <pc:docMk/>
+            <pc:sldMk cId="1937898272" sldId="259"/>
+            <ac:spMk id="8" creationId="{5CAD87CD-B938-EC4D-4E6A-8FA3FEA9ABF0}"/>
+          </ac:spMkLst>
+        </pc:spChg>
+        <pc:spChg chg="mod">
+          <ac:chgData name="Youkhang Rha" userId="045bc4d3-670a-402c-bf34-cdc5c3e11530" providerId="ADAL" clId="{B9634846-136D-4376-8DF8-DD229EE5FB56}" dt="2025-06-19T12:38:52.610" v="18" actId="20577"/>
+          <ac:spMkLst>
+            <pc:docMk/>
+            <pc:sldMk cId="1937898272" sldId="259"/>
+            <ac:spMk id="9" creationId="{E90F0ED2-7108-D705-266E-DCE44D0BCF82}"/>
+          </ac:spMkLst>
+        </pc:spChg>
+        <pc:spChg chg="mod">
+          <ac:chgData name="Youkhang Rha" userId="045bc4d3-670a-402c-bf34-cdc5c3e11530" providerId="ADAL" clId="{B9634846-136D-4376-8DF8-DD229EE5FB56}" dt="2025-06-19T12:46:37.059" v="109" actId="1076"/>
+          <ac:spMkLst>
+            <pc:docMk/>
+            <pc:sldMk cId="1937898272" sldId="259"/>
+            <ac:spMk id="10" creationId="{D37D3423-8F34-A549-1AEF-1B14215E97F3}"/>
+          </ac:spMkLst>
+        </pc:spChg>
+        <pc:spChg chg="mod">
+          <ac:chgData name="Youkhang Rha" userId="045bc4d3-670a-402c-bf34-cdc5c3e11530" providerId="ADAL" clId="{B9634846-136D-4376-8DF8-DD229EE5FB56}" dt="2025-06-19T12:45:20.966" v="62" actId="1076"/>
+          <ac:spMkLst>
+            <pc:docMk/>
+            <pc:sldMk cId="1937898272" sldId="259"/>
+            <ac:spMk id="11" creationId="{58EC6DCD-525D-7F8F-45B3-A6C22FDEAE54}"/>
+          </ac:spMkLst>
+        </pc:spChg>
+        <pc:spChg chg="mod">
+          <ac:chgData name="Youkhang Rha" userId="045bc4d3-670a-402c-bf34-cdc5c3e11530" providerId="ADAL" clId="{B9634846-136D-4376-8DF8-DD229EE5FB56}" dt="2025-06-19T12:45:20.966" v="62" actId="1076"/>
+          <ac:spMkLst>
+            <pc:docMk/>
+            <pc:sldMk cId="1937898272" sldId="259"/>
+            <ac:spMk id="12" creationId="{B44CB9EF-C4F5-14C7-A151-BAA266B9330D}"/>
+          </ac:spMkLst>
+        </pc:spChg>
+        <pc:spChg chg="mod">
+          <ac:chgData name="Youkhang Rha" userId="045bc4d3-670a-402c-bf34-cdc5c3e11530" providerId="ADAL" clId="{B9634846-136D-4376-8DF8-DD229EE5FB56}" dt="2025-06-19T12:45:20.966" v="62" actId="1076"/>
+          <ac:spMkLst>
+            <pc:docMk/>
+            <pc:sldMk cId="1937898272" sldId="259"/>
+            <ac:spMk id="13" creationId="{9E77BA71-4BB8-0C08-F473-88514B736DA3}"/>
+          </ac:spMkLst>
+        </pc:spChg>
+        <pc:spChg chg="mod">
+          <ac:chgData name="Youkhang Rha" userId="045bc4d3-670a-402c-bf34-cdc5c3e11530" providerId="ADAL" clId="{B9634846-136D-4376-8DF8-DD229EE5FB56}" dt="2025-06-19T12:45:20.966" v="62" actId="1076"/>
+          <ac:spMkLst>
+            <pc:docMk/>
+            <pc:sldMk cId="1937898272" sldId="259"/>
+            <ac:spMk id="14" creationId="{8CF05C49-12D9-573A-1104-34C42B55014E}"/>
+          </ac:spMkLst>
+        </pc:spChg>
+        <pc:spChg chg="del">
+          <ac:chgData name="Youkhang Rha" userId="045bc4d3-670a-402c-bf34-cdc5c3e11530" providerId="ADAL" clId="{B9634846-136D-4376-8DF8-DD229EE5FB56}" dt="2025-06-19T12:43:27.242" v="47" actId="478"/>
+          <ac:spMkLst>
+            <pc:docMk/>
+            <pc:sldMk cId="1937898272" sldId="259"/>
+            <ac:spMk id="19" creationId="{A893DA22-9324-E531-8B1D-71D80822465D}"/>
+          </ac:spMkLst>
+        </pc:spChg>
+        <pc:spChg chg="del">
+          <ac:chgData name="Youkhang Rha" userId="045bc4d3-670a-402c-bf34-cdc5c3e11530" providerId="ADAL" clId="{B9634846-136D-4376-8DF8-DD229EE5FB56}" dt="2025-06-19T12:43:27.242" v="47" actId="478"/>
+          <ac:spMkLst>
+            <pc:docMk/>
+            <pc:sldMk cId="1937898272" sldId="259"/>
+            <ac:spMk id="21" creationId="{C0C0A803-0FBA-D412-6739-5B4F27B1C647}"/>
+          </ac:spMkLst>
+        </pc:spChg>
+        <pc:spChg chg="mod">
+          <ac:chgData name="Youkhang Rha" userId="045bc4d3-670a-402c-bf34-cdc5c3e11530" providerId="ADAL" clId="{B9634846-136D-4376-8DF8-DD229EE5FB56}" dt="2025-06-19T12:49:55.226" v="214" actId="1076"/>
+          <ac:spMkLst>
+            <pc:docMk/>
+            <pc:sldMk cId="1937898272" sldId="259"/>
+            <ac:spMk id="30" creationId="{898F94AB-9970-578B-CE4A-FC042E6FD3D7}"/>
+          </ac:spMkLst>
+        </pc:spChg>
+        <pc:spChg chg="add mod">
+          <ac:chgData name="Youkhang Rha" userId="045bc4d3-670a-402c-bf34-cdc5c3e11530" providerId="ADAL" clId="{B9634846-136D-4376-8DF8-DD229EE5FB56}" dt="2025-06-19T12:50:09.746" v="217" actId="14100"/>
+          <ac:spMkLst>
+            <pc:docMk/>
+            <pc:sldMk cId="1937898272" sldId="259"/>
+            <ac:spMk id="36" creationId="{EE71F259-F5A5-4602-AB8A-D0C0E776B2BD}"/>
+          </ac:spMkLst>
+        </pc:spChg>
+        <pc:spChg chg="add mod">
+          <ac:chgData name="Youkhang Rha" userId="045bc4d3-670a-402c-bf34-cdc5c3e11530" providerId="ADAL" clId="{B9634846-136D-4376-8DF8-DD229EE5FB56}" dt="2025-06-19T12:46:26.291" v="107" actId="1076"/>
+          <ac:spMkLst>
+            <pc:docMk/>
+            <pc:sldMk cId="1937898272" sldId="259"/>
+            <ac:spMk id="38" creationId="{C61524B4-B7B0-F077-DB1E-25605EF5FED3}"/>
+          </ac:spMkLst>
+        </pc:spChg>
+        <pc:spChg chg="add mod">
+          <ac:chgData name="Youkhang Rha" userId="045bc4d3-670a-402c-bf34-cdc5c3e11530" providerId="ADAL" clId="{B9634846-136D-4376-8DF8-DD229EE5FB56}" dt="2025-06-19T12:50:03.929" v="216" actId="14100"/>
+          <ac:spMkLst>
+            <pc:docMk/>
+            <pc:sldMk cId="1937898272" sldId="259"/>
+            <ac:spMk id="44" creationId="{2007D8F0-82D3-9B98-B806-44755EE5DB2B}"/>
+          </ac:spMkLst>
+        </pc:spChg>
+        <pc:spChg chg="add mod">
+          <ac:chgData name="Youkhang Rha" userId="045bc4d3-670a-402c-bf34-cdc5c3e11530" providerId="ADAL" clId="{B9634846-136D-4376-8DF8-DD229EE5FB56}" dt="2025-06-19T12:46:52.643" v="157" actId="20577"/>
+          <ac:spMkLst>
+            <pc:docMk/>
+            <pc:sldMk cId="1937898272" sldId="259"/>
+            <ac:spMk id="46" creationId="{891C0297-736C-20F1-E429-AF9410485D36}"/>
+          </ac:spMkLst>
+        </pc:spChg>
+        <pc:spChg chg="del">
+          <ac:chgData name="Youkhang Rha" userId="045bc4d3-670a-402c-bf34-cdc5c3e11530" providerId="ADAL" clId="{B9634846-136D-4376-8DF8-DD229EE5FB56}" dt="2025-06-19T12:39:02.267" v="19" actId="478"/>
+          <ac:spMkLst>
+            <pc:docMk/>
+            <pc:sldMk cId="1937898272" sldId="259"/>
+            <ac:spMk id="56" creationId="{D26D863B-9738-9AB5-E111-4DCCF047834A}"/>
+          </ac:spMkLst>
+        </pc:spChg>
+        <pc:spChg chg="del">
+          <ac:chgData name="Youkhang Rha" userId="045bc4d3-670a-402c-bf34-cdc5c3e11530" providerId="ADAL" clId="{B9634846-136D-4376-8DF8-DD229EE5FB56}" dt="2025-06-19T12:39:02.267" v="19" actId="478"/>
+          <ac:spMkLst>
+            <pc:docMk/>
+            <pc:sldMk cId="1937898272" sldId="259"/>
+            <ac:spMk id="58" creationId="{742D94AE-399D-3666-3255-2E9411B4594A}"/>
+          </ac:spMkLst>
+        </pc:spChg>
+        <pc:spChg chg="add mod">
+          <ac:chgData name="Youkhang Rha" userId="045bc4d3-670a-402c-bf34-cdc5c3e11530" providerId="ADAL" clId="{B9634846-136D-4376-8DF8-DD229EE5FB56}" dt="2025-06-19T12:49:38.992" v="212" actId="1076"/>
+          <ac:spMkLst>
+            <pc:docMk/>
+            <pc:sldMk cId="1937898272" sldId="259"/>
+            <ac:spMk id="62" creationId="{F2396B6B-13FF-4097-9FDC-6E9EB0DC1236}"/>
+          </ac:spMkLst>
+        </pc:spChg>
+        <pc:spChg chg="del">
+          <ac:chgData name="Youkhang Rha" userId="045bc4d3-670a-402c-bf34-cdc5c3e11530" providerId="ADAL" clId="{B9634846-136D-4376-8DF8-DD229EE5FB56}" dt="2025-06-19T12:39:02.267" v="19" actId="478"/>
+          <ac:spMkLst>
+            <pc:docMk/>
+            <pc:sldMk cId="1937898272" sldId="259"/>
+            <ac:spMk id="1025" creationId="{BD072009-9C84-2608-3AFE-A7483C15D98A}"/>
+          </ac:spMkLst>
+        </pc:spChg>
+        <pc:spChg chg="del">
+          <ac:chgData name="Youkhang Rha" userId="045bc4d3-670a-402c-bf34-cdc5c3e11530" providerId="ADAL" clId="{B9634846-136D-4376-8DF8-DD229EE5FB56}" dt="2025-06-19T12:39:02.267" v="19" actId="478"/>
+          <ac:spMkLst>
+            <pc:docMk/>
+            <pc:sldMk cId="1937898272" sldId="259"/>
+            <ac:spMk id="1027" creationId="{4B9FD02B-90E9-364F-911A-42F5536D379B}"/>
+          </ac:spMkLst>
+        </pc:spChg>
+        <pc:spChg chg="mod">
+          <ac:chgData name="Youkhang Rha" userId="045bc4d3-670a-402c-bf34-cdc5c3e11530" providerId="ADAL" clId="{B9634846-136D-4376-8DF8-DD229EE5FB56}" dt="2025-06-19T12:50:37.531" v="220" actId="14100"/>
+          <ac:spMkLst>
+            <pc:docMk/>
+            <pc:sldMk cId="1937898272" sldId="259"/>
+            <ac:spMk id="1033" creationId="{77035243-F2EF-070E-B1A3-84EA93286A67}"/>
+          </ac:spMkLst>
+        </pc:spChg>
+        <pc:spChg chg="del mod">
+          <ac:chgData name="Youkhang Rha" userId="045bc4d3-670a-402c-bf34-cdc5c3e11530" providerId="ADAL" clId="{B9634846-136D-4376-8DF8-DD229EE5FB56}" dt="2025-06-19T12:48:39.962" v="179" actId="478"/>
+          <ac:spMkLst>
+            <pc:docMk/>
+            <pc:sldMk cId="1937898272" sldId="259"/>
+            <ac:spMk id="1035" creationId="{30297A44-EC4D-DE17-3915-682929CE6E3C}"/>
+          </ac:spMkLst>
+        </pc:spChg>
+        <pc:spChg chg="del mod">
+          <ac:chgData name="Youkhang Rha" userId="045bc4d3-670a-402c-bf34-cdc5c3e11530" providerId="ADAL" clId="{B9634846-136D-4376-8DF8-DD229EE5FB56}" dt="2025-06-19T12:48:39.962" v="179" actId="478"/>
+          <ac:spMkLst>
+            <pc:docMk/>
+            <pc:sldMk cId="1937898272" sldId="259"/>
+            <ac:spMk id="1039" creationId="{A5878CC8-0A7A-66B9-D952-59879E6F2FC1}"/>
+          </ac:spMkLst>
+        </pc:spChg>
+        <pc:spChg chg="del">
+          <ac:chgData name="Youkhang Rha" userId="045bc4d3-670a-402c-bf34-cdc5c3e11530" providerId="ADAL" clId="{B9634846-136D-4376-8DF8-DD229EE5FB56}" dt="2025-06-19T12:39:31.450" v="20" actId="478"/>
+          <ac:spMkLst>
+            <pc:docMk/>
+            <pc:sldMk cId="1937898272" sldId="259"/>
+            <ac:spMk id="1041" creationId="{A9BD8090-5C7C-30CF-A873-15C5EE3079FF}"/>
+          </ac:spMkLst>
+        </pc:spChg>
+        <pc:spChg chg="del">
+          <ac:chgData name="Youkhang Rha" userId="045bc4d3-670a-402c-bf34-cdc5c3e11530" providerId="ADAL" clId="{B9634846-136D-4376-8DF8-DD229EE5FB56}" dt="2025-06-19T12:39:31.450" v="20" actId="478"/>
+          <ac:spMkLst>
+            <pc:docMk/>
+            <pc:sldMk cId="1937898272" sldId="259"/>
+            <ac:spMk id="1044" creationId="{F79049D2-BBFD-5D73-9110-9A0DDD101109}"/>
+          </ac:spMkLst>
+        </pc:spChg>
+        <pc:spChg chg="del">
+          <ac:chgData name="Youkhang Rha" userId="045bc4d3-670a-402c-bf34-cdc5c3e11530" providerId="ADAL" clId="{B9634846-136D-4376-8DF8-DD229EE5FB56}" dt="2025-06-19T12:43:21.957" v="46" actId="478"/>
+          <ac:spMkLst>
+            <pc:docMk/>
+            <pc:sldMk cId="1937898272" sldId="259"/>
+            <ac:spMk id="1046" creationId="{08BC2AF0-6160-8A47-BF7C-DA7C3C0EBF0C}"/>
+          </ac:spMkLst>
+        </pc:spChg>
+        <pc:spChg chg="add mod">
+          <ac:chgData name="Youkhang Rha" userId="045bc4d3-670a-402c-bf34-cdc5c3e11530" providerId="ADAL" clId="{B9634846-136D-4376-8DF8-DD229EE5FB56}" dt="2025-06-19T12:52:05.651" v="252" actId="12788"/>
+          <ac:spMkLst>
+            <pc:docMk/>
+            <pc:sldMk cId="1937898272" sldId="259"/>
+            <ac:spMk id="1047" creationId="{7C51C6C8-10B6-A1DA-5036-53846D5A3CEE}"/>
+          </ac:spMkLst>
+        </pc:spChg>
+        <pc:spChg chg="mod">
+          <ac:chgData name="Youkhang Rha" userId="045bc4d3-670a-402c-bf34-cdc5c3e11530" providerId="ADAL" clId="{B9634846-136D-4376-8DF8-DD229EE5FB56}" dt="2025-06-19T12:46:20.510" v="106" actId="1076"/>
+          <ac:spMkLst>
+            <pc:docMk/>
+            <pc:sldMk cId="1937898272" sldId="259"/>
+            <ac:spMk id="1051" creationId="{D019AB08-8EDD-5EB6-FE42-B80203FFA0A8}"/>
+          </ac:spMkLst>
+        </pc:spChg>
+        <pc:spChg chg="add mod ord">
+          <ac:chgData name="Youkhang Rha" userId="045bc4d3-670a-402c-bf34-cdc5c3e11530" providerId="ADAL" clId="{B9634846-136D-4376-8DF8-DD229EE5FB56}" dt="2025-06-19T12:53:00.719" v="268" actId="1076"/>
+          <ac:spMkLst>
+            <pc:docMk/>
+            <pc:sldMk cId="1937898272" sldId="259"/>
+            <ac:spMk id="1053" creationId="{66F82C8C-964B-4990-C869-FC68A479E501}"/>
+          </ac:spMkLst>
+        </pc:spChg>
+        <pc:spChg chg="del">
+          <ac:chgData name="Youkhang Rha" userId="045bc4d3-670a-402c-bf34-cdc5c3e11530" providerId="ADAL" clId="{B9634846-136D-4376-8DF8-DD229EE5FB56}" dt="2025-06-19T12:39:31.450" v="20" actId="478"/>
+          <ac:spMkLst>
+            <pc:docMk/>
+            <pc:sldMk cId="1937898272" sldId="259"/>
+            <ac:spMk id="1061" creationId="{118B12CD-5038-DD44-8C58-B5354CFB2A2D}"/>
+          </ac:spMkLst>
+        </pc:spChg>
+        <pc:picChg chg="del mod">
+          <ac:chgData name="Youkhang Rha" userId="045bc4d3-670a-402c-bf34-cdc5c3e11530" providerId="ADAL" clId="{B9634846-136D-4376-8DF8-DD229EE5FB56}" dt="2025-06-19T12:42:52.640" v="38" actId="478"/>
+          <ac:picMkLst>
+            <pc:docMk/>
+            <pc:sldMk cId="1937898272" sldId="259"/>
+            <ac:picMk id="17" creationId="{6919D37A-2A49-C045-781E-EDBE206067D4}"/>
+          </ac:picMkLst>
+        </pc:picChg>
+        <pc:picChg chg="del">
+          <ac:chgData name="Youkhang Rha" userId="045bc4d3-670a-402c-bf34-cdc5c3e11530" providerId="ADAL" clId="{B9634846-136D-4376-8DF8-DD229EE5FB56}" dt="2025-06-19T12:43:21.957" v="46" actId="478"/>
+          <ac:picMkLst>
+            <pc:docMk/>
+            <pc:sldMk cId="1937898272" sldId="259"/>
+            <ac:picMk id="18" creationId="{8F0ED968-E518-6050-242A-6857544CCD1C}"/>
+          </ac:picMkLst>
+        </pc:picChg>
+        <pc:picChg chg="del">
+          <ac:chgData name="Youkhang Rha" userId="045bc4d3-670a-402c-bf34-cdc5c3e11530" providerId="ADAL" clId="{B9634846-136D-4376-8DF8-DD229EE5FB56}" dt="2025-06-19T12:43:27.242" v="47" actId="478"/>
+          <ac:picMkLst>
+            <pc:docMk/>
+            <pc:sldMk cId="1937898272" sldId="259"/>
+            <ac:picMk id="20" creationId="{806920DB-3165-C0B5-0738-4A704007E789}"/>
+          </ac:picMkLst>
+        </pc:picChg>
+        <pc:picChg chg="del">
+          <ac:chgData name="Youkhang Rha" userId="045bc4d3-670a-402c-bf34-cdc5c3e11530" providerId="ADAL" clId="{B9634846-136D-4376-8DF8-DD229EE5FB56}" dt="2025-06-19T12:43:21.957" v="46" actId="478"/>
+          <ac:picMkLst>
+            <pc:docMk/>
+            <pc:sldMk cId="1937898272" sldId="259"/>
+            <ac:picMk id="22" creationId="{93780B85-5716-FAA5-CE1C-20B05F938992}"/>
+          </ac:picMkLst>
+        </pc:picChg>
+        <pc:picChg chg="add mod">
+          <ac:chgData name="Youkhang Rha" userId="045bc4d3-670a-402c-bf34-cdc5c3e11530" providerId="ADAL" clId="{B9634846-136D-4376-8DF8-DD229EE5FB56}" dt="2025-06-19T12:46:26.291" v="107" actId="1076"/>
+          <ac:picMkLst>
+            <pc:docMk/>
+            <pc:sldMk cId="1937898272" sldId="259"/>
+            <ac:picMk id="37" creationId="{3B7C4F09-322A-DADF-1585-3A5B4833B941}"/>
+          </ac:picMkLst>
+        </pc:picChg>
+        <pc:picChg chg="add mod">
+          <ac:chgData name="Youkhang Rha" userId="045bc4d3-670a-402c-bf34-cdc5c3e11530" providerId="ADAL" clId="{B9634846-136D-4376-8DF8-DD229EE5FB56}" dt="2025-06-19T12:46:43.078" v="110" actId="571"/>
+          <ac:picMkLst>
+            <pc:docMk/>
+            <pc:sldMk cId="1937898272" sldId="259"/>
+            <ac:picMk id="45" creationId="{0054B3AC-0DAA-CA92-566A-2CE74AECD5CE}"/>
+          </ac:picMkLst>
+        </pc:picChg>
+        <pc:picChg chg="del">
+          <ac:chgData name="Youkhang Rha" userId="045bc4d3-670a-402c-bf34-cdc5c3e11530" providerId="ADAL" clId="{B9634846-136D-4376-8DF8-DD229EE5FB56}" dt="2025-06-19T12:39:02.267" v="19" actId="478"/>
+          <ac:picMkLst>
+            <pc:docMk/>
+            <pc:sldMk cId="1937898272" sldId="259"/>
+            <ac:picMk id="57" creationId="{1EA10CE7-4B6C-8170-7F6B-671132B80983}"/>
+          </ac:picMkLst>
+        </pc:picChg>
+        <pc:picChg chg="del">
+          <ac:chgData name="Youkhang Rha" userId="045bc4d3-670a-402c-bf34-cdc5c3e11530" providerId="ADAL" clId="{B9634846-136D-4376-8DF8-DD229EE5FB56}" dt="2025-06-19T12:39:02.267" v="19" actId="478"/>
+          <ac:picMkLst>
+            <pc:docMk/>
+            <pc:sldMk cId="1937898272" sldId="259"/>
+            <ac:picMk id="60" creationId="{D2C13DD2-3545-5DFA-90DB-386610F947F6}"/>
+          </ac:picMkLst>
+        </pc:picChg>
+        <pc:picChg chg="add mod">
+          <ac:chgData name="Youkhang Rha" userId="045bc4d3-670a-402c-bf34-cdc5c3e11530" providerId="ADAL" clId="{B9634846-136D-4376-8DF8-DD229EE5FB56}" dt="2025-06-19T12:53:04.823" v="269" actId="1076"/>
+          <ac:picMkLst>
+            <pc:docMk/>
+            <pc:sldMk cId="1937898272" sldId="259"/>
+            <ac:picMk id="1026" creationId="{87C3D869-6F19-87A9-412B-AB19D761837E}"/>
+          </ac:picMkLst>
+        </pc:picChg>
+        <pc:picChg chg="mod">
+          <ac:chgData name="Youkhang Rha" userId="045bc4d3-670a-402c-bf34-cdc5c3e11530" providerId="ADAL" clId="{B9634846-136D-4376-8DF8-DD229EE5FB56}" dt="2025-06-19T12:46:37.059" v="109" actId="1076"/>
+          <ac:picMkLst>
+            <pc:docMk/>
+            <pc:sldMk cId="1937898272" sldId="259"/>
+            <ac:picMk id="1030" creationId="{E339E366-7035-B772-53D9-B3D03BED7804}"/>
+          </ac:picMkLst>
+        </pc:picChg>
+        <pc:picChg chg="mod">
+          <ac:chgData name="Youkhang Rha" userId="045bc4d3-670a-402c-bf34-cdc5c3e11530" providerId="ADAL" clId="{B9634846-136D-4376-8DF8-DD229EE5FB56}" dt="2025-06-19T12:49:24.247" v="209" actId="1076"/>
+          <ac:picMkLst>
+            <pc:docMk/>
+            <pc:sldMk cId="1937898272" sldId="259"/>
+            <ac:picMk id="1034" creationId="{5FAB7143-D95B-B4A8-3FF7-5BA4319A35EB}"/>
+          </ac:picMkLst>
+        </pc:picChg>
+        <pc:picChg chg="del mod">
+          <ac:chgData name="Youkhang Rha" userId="045bc4d3-670a-402c-bf34-cdc5c3e11530" providerId="ADAL" clId="{B9634846-136D-4376-8DF8-DD229EE5FB56}" dt="2025-06-19T12:48:39.962" v="179" actId="478"/>
+          <ac:picMkLst>
+            <pc:docMk/>
+            <pc:sldMk cId="1937898272" sldId="259"/>
+            <ac:picMk id="1037" creationId="{AA9699C7-AA8F-49C1-58CD-C7CDB70A75EA}"/>
+          </ac:picMkLst>
+        </pc:picChg>
+        <pc:picChg chg="mod">
+          <ac:chgData name="Youkhang Rha" userId="045bc4d3-670a-402c-bf34-cdc5c3e11530" providerId="ADAL" clId="{B9634846-136D-4376-8DF8-DD229EE5FB56}" dt="2025-06-19T12:49:55.226" v="214" actId="1076"/>
+          <ac:picMkLst>
+            <pc:docMk/>
+            <pc:sldMk cId="1937898272" sldId="259"/>
+            <ac:picMk id="1040" creationId="{BA023476-62D3-49CB-D10E-5A77476D19A1}"/>
+          </ac:picMkLst>
+        </pc:picChg>
+        <pc:picChg chg="del">
+          <ac:chgData name="Youkhang Rha" userId="045bc4d3-670a-402c-bf34-cdc5c3e11530" providerId="ADAL" clId="{B9634846-136D-4376-8DF8-DD229EE5FB56}" dt="2025-06-19T12:39:02.267" v="19" actId="478"/>
+          <ac:picMkLst>
+            <pc:docMk/>
+            <pc:sldMk cId="1937898272" sldId="259"/>
+            <ac:picMk id="1042" creationId="{377F6A71-E9A8-95AE-22C6-388428C3E086}"/>
+          </ac:picMkLst>
+        </pc:picChg>
+        <pc:picChg chg="add del mod">
+          <ac:chgData name="Youkhang Rha" userId="045bc4d3-670a-402c-bf34-cdc5c3e11530" providerId="ADAL" clId="{B9634846-136D-4376-8DF8-DD229EE5FB56}" dt="2025-06-19T12:51:20.463" v="223" actId="478"/>
+          <ac:picMkLst>
+            <pc:docMk/>
+            <pc:sldMk cId="1937898272" sldId="259"/>
+            <ac:picMk id="1043" creationId="{7741360C-C844-3F05-2C5A-70D4464C19F2}"/>
+          </ac:picMkLst>
+        </pc:picChg>
+        <pc:picChg chg="del">
+          <ac:chgData name="Youkhang Rha" userId="045bc4d3-670a-402c-bf34-cdc5c3e11530" providerId="ADAL" clId="{B9634846-136D-4376-8DF8-DD229EE5FB56}" dt="2025-06-19T12:39:31.450" v="20" actId="478"/>
+          <ac:picMkLst>
+            <pc:docMk/>
+            <pc:sldMk cId="1937898272" sldId="259"/>
+            <ac:picMk id="1045" creationId="{E4BC38D1-D259-41C5-1D48-557627EDA54A}"/>
+          </ac:picMkLst>
+        </pc:picChg>
+        <pc:cxnChg chg="mod">
+          <ac:chgData name="Youkhang Rha" userId="045bc4d3-670a-402c-bf34-cdc5c3e11530" providerId="ADAL" clId="{B9634846-136D-4376-8DF8-DD229EE5FB56}" dt="2025-06-19T12:53:04.823" v="269" actId="1076"/>
+          <ac:cxnSpMkLst>
+            <pc:docMk/>
+            <pc:sldMk cId="1937898272" sldId="259"/>
+            <ac:cxnSpMk id="24" creationId="{25ADF96F-622C-056B-3622-4490C8E28716}"/>
+          </ac:cxnSpMkLst>
+        </pc:cxnChg>
+        <pc:cxnChg chg="del">
+          <ac:chgData name="Youkhang Rha" userId="045bc4d3-670a-402c-bf34-cdc5c3e11530" providerId="ADAL" clId="{B9634846-136D-4376-8DF8-DD229EE5FB56}" dt="2025-06-19T12:43:21.957" v="46" actId="478"/>
+          <ac:cxnSpMkLst>
+            <pc:docMk/>
+            <pc:sldMk cId="1937898272" sldId="259"/>
+            <ac:cxnSpMk id="25" creationId="{74E73256-4E96-53BC-55BE-8CF6ADEE735C}"/>
+          </ac:cxnSpMkLst>
+        </pc:cxnChg>
+        <pc:cxnChg chg="del mod">
+          <ac:chgData name="Youkhang Rha" userId="045bc4d3-670a-402c-bf34-cdc5c3e11530" providerId="ADAL" clId="{B9634846-136D-4376-8DF8-DD229EE5FB56}" dt="2025-06-19T12:47:28.557" v="164" actId="478"/>
+          <ac:cxnSpMkLst>
+            <pc:docMk/>
+            <pc:sldMk cId="1937898272" sldId="259"/>
+            <ac:cxnSpMk id="33" creationId="{7A0CCAD5-CA28-D51A-A87E-8CE37236E5A8}"/>
+          </ac:cxnSpMkLst>
+        </pc:cxnChg>
+        <pc:cxnChg chg="del">
+          <ac:chgData name="Youkhang Rha" userId="045bc4d3-670a-402c-bf34-cdc5c3e11530" providerId="ADAL" clId="{B9634846-136D-4376-8DF8-DD229EE5FB56}" dt="2025-06-19T12:43:21.957" v="46" actId="478"/>
+          <ac:cxnSpMkLst>
+            <pc:docMk/>
+            <pc:sldMk cId="1937898272" sldId="259"/>
+            <ac:cxnSpMk id="43" creationId="{2A541336-FFF6-2F9F-E6D0-5D36D477292B}"/>
+          </ac:cxnSpMkLst>
+        </pc:cxnChg>
+        <pc:cxnChg chg="mod">
+          <ac:chgData name="Youkhang Rha" userId="045bc4d3-670a-402c-bf34-cdc5c3e11530" providerId="ADAL" clId="{B9634846-136D-4376-8DF8-DD229EE5FB56}" dt="2025-06-19T12:50:26.506" v="219" actId="14100"/>
+          <ac:cxnSpMkLst>
+            <pc:docMk/>
+            <pc:sldMk cId="1937898272" sldId="259"/>
+            <ac:cxnSpMk id="1048" creationId="{5B2048F2-95BE-3CCB-9619-CCACC3A45846}"/>
+          </ac:cxnSpMkLst>
+        </pc:cxnChg>
+        <pc:cxnChg chg="add mod">
+          <ac:chgData name="Youkhang Rha" userId="045bc4d3-670a-402c-bf34-cdc5c3e11530" providerId="ADAL" clId="{B9634846-136D-4376-8DF8-DD229EE5FB56}" dt="2025-06-19T12:53:04.823" v="269" actId="1076"/>
+          <ac:cxnSpMkLst>
+            <pc:docMk/>
+            <pc:sldMk cId="1937898272" sldId="259"/>
+            <ac:cxnSpMk id="1050" creationId="{79901347-71D1-0EE7-7957-A86B76DA97CA}"/>
+          </ac:cxnSpMkLst>
+        </pc:cxnChg>
+        <pc:cxnChg chg="del">
+          <ac:chgData name="Youkhang Rha" userId="045bc4d3-670a-402c-bf34-cdc5c3e11530" providerId="ADAL" clId="{B9634846-136D-4376-8DF8-DD229EE5FB56}" dt="2025-06-19T12:39:31.450" v="20" actId="478"/>
+          <ac:cxnSpMkLst>
+            <pc:docMk/>
+            <pc:sldMk cId="1937898272" sldId="259"/>
+            <ac:cxnSpMk id="1060" creationId="{ED4F3B82-4797-2F21-0FF4-B6428726F212}"/>
+          </ac:cxnSpMkLst>
+        </pc:cxnChg>
+        <pc:cxnChg chg="mod">
+          <ac:chgData name="Youkhang Rha" userId="045bc4d3-670a-402c-bf34-cdc5c3e11530" providerId="ADAL" clId="{B9634846-136D-4376-8DF8-DD229EE5FB56}" dt="2025-06-19T12:45:20.966" v="62" actId="1076"/>
+          <ac:cxnSpMkLst>
+            <pc:docMk/>
+            <pc:sldMk cId="1937898272" sldId="259"/>
+            <ac:cxnSpMk id="1063" creationId="{37B5A0BB-D291-90AB-D29F-58AF509E604B}"/>
+          </ac:cxnSpMkLst>
+        </pc:cxnChg>
+        <pc:cxnChg chg="mod">
+          <ac:chgData name="Youkhang Rha" userId="045bc4d3-670a-402c-bf34-cdc5c3e11530" providerId="ADAL" clId="{B9634846-136D-4376-8DF8-DD229EE5FB56}" dt="2025-06-19T12:45:20.966" v="62" actId="1076"/>
+          <ac:cxnSpMkLst>
+            <pc:docMk/>
+            <pc:sldMk cId="1937898272" sldId="259"/>
+            <ac:cxnSpMk id="1064" creationId="{13E6222B-1050-93FF-71C9-EE344937FF8B}"/>
+          </ac:cxnSpMkLst>
+        </pc:cxnChg>
       </pc:sldChg>
     </pc:docChg>
   </pc:docChgLst>
@@ -5746,7 +6201,13 @@
   <p:cSld>
     <p:spTree>
       <p:nvGrpSpPr>
-        <p:cNvPr id="1" name=""/>
+        <p:cNvPr id="1" name="">
+          <a:extLst>
+            <a:ext uri="{FF2B5EF4-FFF2-40B4-BE49-F238E27FC236}">
+              <a16:creationId xmlns:a16="http://schemas.microsoft.com/office/drawing/2014/main" id="{43A119D4-C5A8-EEA7-A5C1-BB5270325F50}"/>
+            </a:ext>
+          </a:extLst>
+        </p:cNvPr>
         <p:cNvGrpSpPr/>
         <p:nvPr/>
       </p:nvGrpSpPr>
@@ -5758,10 +6219,1773 @@
           <a:chExt cx="0" cy="0"/>
         </a:xfrm>
       </p:grpSpPr>
+      <p:sp>
+        <p:nvSpPr>
+          <p:cNvPr id="1033" name="Rectangle: Rounded Corners 1032">
+            <a:extLst>
+              <a:ext uri="{FF2B5EF4-FFF2-40B4-BE49-F238E27FC236}">
+                <a16:creationId xmlns:a16="http://schemas.microsoft.com/office/drawing/2014/main" id="{77035243-F2EF-070E-B1A3-84EA93286A67}"/>
+              </a:ext>
+            </a:extLst>
+          </p:cNvPr>
+          <p:cNvSpPr/>
+          <p:nvPr/>
+        </p:nvSpPr>
+        <p:spPr>
+          <a:xfrm>
+            <a:off x="3356473" y="1044971"/>
+            <a:ext cx="7673477" cy="4085829"/>
+          </a:xfrm>
+          <a:prstGeom prst="roundRect">
+            <a:avLst>
+              <a:gd name="adj" fmla="val 1861"/>
+            </a:avLst>
+          </a:prstGeom>
+          <a:noFill/>
+          <a:ln>
+            <a:solidFill>
+              <a:schemeClr val="bg1">
+                <a:lumMod val="75000"/>
+              </a:schemeClr>
+            </a:solidFill>
+            <a:prstDash val="solid"/>
+          </a:ln>
+        </p:spPr>
+        <p:style>
+          <a:lnRef idx="2">
+            <a:schemeClr val="accent1">
+              <a:shade val="15000"/>
+            </a:schemeClr>
+          </a:lnRef>
+          <a:fillRef idx="1">
+            <a:schemeClr val="accent1"/>
+          </a:fillRef>
+          <a:effectRef idx="0">
+            <a:schemeClr val="accent1"/>
+          </a:effectRef>
+          <a:fontRef idx="minor">
+            <a:schemeClr val="lt1"/>
+          </a:fontRef>
+        </p:style>
+        <p:txBody>
+          <a:bodyPr rtlCol="0" anchor="ctr"/>
+          <a:lstStyle/>
+          <a:p>
+            <a:pPr algn="ctr"/>
+            <a:endParaRPr lang="en-US"/>
+          </a:p>
+        </p:txBody>
+      </p:sp>
+      <p:sp>
+        <p:nvSpPr>
+          <p:cNvPr id="4" name="Rectangle: Rounded Corners 3">
+            <a:extLst>
+              <a:ext uri="{FF2B5EF4-FFF2-40B4-BE49-F238E27FC236}">
+                <a16:creationId xmlns:a16="http://schemas.microsoft.com/office/drawing/2014/main" id="{BA654411-1327-414C-478D-164CDB649D24}"/>
+              </a:ext>
+            </a:extLst>
+          </p:cNvPr>
+          <p:cNvSpPr/>
+          <p:nvPr/>
+        </p:nvSpPr>
+        <p:spPr>
+          <a:xfrm>
+            <a:off x="583828" y="2989450"/>
+            <a:ext cx="2475596" cy="1981841"/>
+          </a:xfrm>
+          <a:prstGeom prst="roundRect">
+            <a:avLst>
+              <a:gd name="adj" fmla="val 5796"/>
+            </a:avLst>
+          </a:prstGeom>
+          <a:noFill/>
+          <a:ln>
+            <a:solidFill>
+              <a:schemeClr val="tx1">
+                <a:lumMod val="50000"/>
+                <a:lumOff val="50000"/>
+              </a:schemeClr>
+            </a:solidFill>
+          </a:ln>
+        </p:spPr>
+        <p:style>
+          <a:lnRef idx="2">
+            <a:schemeClr val="accent1">
+              <a:shade val="15000"/>
+            </a:schemeClr>
+          </a:lnRef>
+          <a:fillRef idx="1">
+            <a:schemeClr val="accent1"/>
+          </a:fillRef>
+          <a:effectRef idx="0">
+            <a:schemeClr val="accent1"/>
+          </a:effectRef>
+          <a:fontRef idx="minor">
+            <a:schemeClr val="lt1"/>
+          </a:fontRef>
+        </p:style>
+        <p:txBody>
+          <a:bodyPr rtlCol="0" anchor="ctr"/>
+          <a:lstStyle/>
+          <a:p>
+            <a:pPr algn="ctr"/>
+            <a:endParaRPr lang="en-US"/>
+          </a:p>
+        </p:txBody>
+      </p:sp>
+      <p:pic>
+        <p:nvPicPr>
+          <p:cNvPr id="1032" name="Picture 8" descr="Microsoft Power Platform | Serinf">
+            <a:extLst>
+              <a:ext uri="{FF2B5EF4-FFF2-40B4-BE49-F238E27FC236}">
+                <a16:creationId xmlns:a16="http://schemas.microsoft.com/office/drawing/2014/main" id="{C06DA5AF-D10A-CF30-2581-4DB743A14BEC}"/>
+              </a:ext>
+            </a:extLst>
+          </p:cNvPr>
+          <p:cNvPicPr>
+            <a:picLocks noChangeAspect="1" noChangeArrowheads="1"/>
+          </p:cNvPicPr>
+          <p:nvPr/>
+        </p:nvPicPr>
+        <p:blipFill rotWithShape="1">
+          <a:blip r:embed="rId2">
+            <a:extLst>
+              <a:ext uri="{28A0092B-C50C-407E-A947-70E740481C1C}">
+                <a14:useLocalDpi xmlns:a14="http://schemas.microsoft.com/office/drawing/2010/main" val="0"/>
+              </a:ext>
+            </a:extLst>
+          </a:blip>
+          <a:srcRect t="23362" b="22685"/>
+          <a:stretch>
+            <a:fillRect/>
+          </a:stretch>
+        </p:blipFill>
+        <p:spPr bwMode="auto">
+          <a:xfrm>
+            <a:off x="417017" y="2106292"/>
+            <a:ext cx="2705100" cy="729737"/>
+          </a:xfrm>
+          <a:prstGeom prst="rect">
+            <a:avLst/>
+          </a:prstGeom>
+          <a:noFill/>
+          <a:extLst>
+            <a:ext uri="{909E8E84-426E-40DD-AFC4-6F175D3DCCD1}">
+              <a14:hiddenFill xmlns:a14="http://schemas.microsoft.com/office/drawing/2010/main">
+                <a:solidFill>
+                  <a:srgbClr val="FFFFFF"/>
+                </a:solidFill>
+              </a14:hiddenFill>
+            </a:ext>
+          </a:extLst>
+        </p:spPr>
+      </p:pic>
+      <p:sp>
+        <p:nvSpPr>
+          <p:cNvPr id="5" name="Rectangle: Rounded Corners 4">
+            <a:extLst>
+              <a:ext uri="{FF2B5EF4-FFF2-40B4-BE49-F238E27FC236}">
+                <a16:creationId xmlns:a16="http://schemas.microsoft.com/office/drawing/2014/main" id="{72DEE244-E7CA-27EE-BF80-D11C77F3B011}"/>
+              </a:ext>
+            </a:extLst>
+          </p:cNvPr>
+          <p:cNvSpPr/>
+          <p:nvPr/>
+        </p:nvSpPr>
+        <p:spPr>
+          <a:xfrm>
+            <a:off x="718965" y="3328005"/>
+            <a:ext cx="2187502" cy="499718"/>
+          </a:xfrm>
+          <a:prstGeom prst="roundRect">
+            <a:avLst>
+              <a:gd name="adj" fmla="val 5796"/>
+            </a:avLst>
+          </a:prstGeom>
+          <a:noFill/>
+          <a:ln>
+            <a:solidFill>
+              <a:schemeClr val="tx1">
+                <a:lumMod val="50000"/>
+                <a:lumOff val="50000"/>
+              </a:schemeClr>
+            </a:solidFill>
+          </a:ln>
+        </p:spPr>
+        <p:style>
+          <a:lnRef idx="2">
+            <a:schemeClr val="accent1">
+              <a:shade val="15000"/>
+            </a:schemeClr>
+          </a:lnRef>
+          <a:fillRef idx="1">
+            <a:schemeClr val="accent1"/>
+          </a:fillRef>
+          <a:effectRef idx="0">
+            <a:schemeClr val="accent1"/>
+          </a:effectRef>
+          <a:fontRef idx="minor">
+            <a:schemeClr val="lt1"/>
+          </a:fontRef>
+        </p:style>
+        <p:txBody>
+          <a:bodyPr rtlCol="0" anchor="ctr"/>
+          <a:lstStyle/>
+          <a:p>
+            <a:pPr algn="ctr"/>
+            <a:r>
+              <a:rPr lang="en-US" dirty="0">
+                <a:solidFill>
+                  <a:schemeClr val="tx1"/>
+                </a:solidFill>
+              </a:rPr>
+              <a:t>Dataverse</a:t>
+            </a:r>
+            <a:r>
+              <a:rPr lang="ko-KR" altLang="en-US" dirty="0">
+                <a:solidFill>
+                  <a:schemeClr val="tx1"/>
+                </a:solidFill>
+              </a:rPr>
+              <a:t> </a:t>
+            </a:r>
+            <a:r>
+              <a:rPr lang="en-US" altLang="ko-KR" dirty="0">
+                <a:solidFill>
+                  <a:schemeClr val="tx1"/>
+                </a:solidFill>
+              </a:rPr>
+              <a:t>Plug-in</a:t>
+            </a:r>
+            <a:endParaRPr lang="en-US" dirty="0">
+              <a:solidFill>
+                <a:schemeClr val="tx1"/>
+              </a:solidFill>
+            </a:endParaRPr>
+          </a:p>
+        </p:txBody>
+      </p:sp>
+      <p:sp>
+        <p:nvSpPr>
+          <p:cNvPr id="6" name="Rectangle: Rounded Corners 5">
+            <a:extLst>
+              <a:ext uri="{FF2B5EF4-FFF2-40B4-BE49-F238E27FC236}">
+                <a16:creationId xmlns:a16="http://schemas.microsoft.com/office/drawing/2014/main" id="{E05A069C-BA16-3389-8931-44E5FF1F9150}"/>
+              </a:ext>
+            </a:extLst>
+          </p:cNvPr>
+          <p:cNvSpPr/>
+          <p:nvPr/>
+        </p:nvSpPr>
+        <p:spPr>
+          <a:xfrm>
+            <a:off x="718965" y="4134314"/>
+            <a:ext cx="2187502" cy="499718"/>
+          </a:xfrm>
+          <a:prstGeom prst="roundRect">
+            <a:avLst>
+              <a:gd name="adj" fmla="val 5796"/>
+            </a:avLst>
+          </a:prstGeom>
+          <a:noFill/>
+          <a:ln>
+            <a:solidFill>
+              <a:schemeClr val="tx1">
+                <a:lumMod val="50000"/>
+                <a:lumOff val="50000"/>
+              </a:schemeClr>
+            </a:solidFill>
+          </a:ln>
+        </p:spPr>
+        <p:style>
+          <a:lnRef idx="2">
+            <a:schemeClr val="accent1">
+              <a:shade val="15000"/>
+            </a:schemeClr>
+          </a:lnRef>
+          <a:fillRef idx="1">
+            <a:schemeClr val="accent1"/>
+          </a:fillRef>
+          <a:effectRef idx="0">
+            <a:schemeClr val="accent1"/>
+          </a:effectRef>
+          <a:fontRef idx="minor">
+            <a:schemeClr val="lt1"/>
+          </a:fontRef>
+        </p:style>
+        <p:txBody>
+          <a:bodyPr rtlCol="0" anchor="ctr"/>
+          <a:lstStyle/>
+          <a:p>
+            <a:pPr algn="ctr"/>
+            <a:r>
+              <a:rPr lang="en-US" dirty="0">
+                <a:solidFill>
+                  <a:schemeClr val="tx1"/>
+                </a:solidFill>
+              </a:rPr>
+              <a:t>SQL Connector</a:t>
+            </a:r>
+          </a:p>
+        </p:txBody>
+      </p:sp>
+      <p:pic>
+        <p:nvPicPr>
+          <p:cNvPr id="1034" name="Picture 10" descr="Azure ExpressRoute｜クラウド&amp;DC間接続サービス ATBeX">
+            <a:extLst>
+              <a:ext uri="{FF2B5EF4-FFF2-40B4-BE49-F238E27FC236}">
+                <a16:creationId xmlns:a16="http://schemas.microsoft.com/office/drawing/2014/main" id="{5FAB7143-D95B-B4A8-3FF7-5BA4319A35EB}"/>
+              </a:ext>
+            </a:extLst>
+          </p:cNvPr>
+          <p:cNvPicPr>
+            <a:picLocks noChangeAspect="1" noChangeArrowheads="1"/>
+          </p:cNvPicPr>
+          <p:nvPr/>
+        </p:nvPicPr>
+        <p:blipFill rotWithShape="1">
+          <a:blip r:embed="rId3">
+            <a:extLst>
+              <a:ext uri="{28A0092B-C50C-407E-A947-70E740481C1C}">
+                <a14:useLocalDpi xmlns:a14="http://schemas.microsoft.com/office/drawing/2010/main" val="0"/>
+              </a:ext>
+            </a:extLst>
+          </a:blip>
+          <a:srcRect l="15880" t="29449" r="14807" b="31552"/>
+          <a:stretch>
+            <a:fillRect/>
+          </a:stretch>
+        </p:blipFill>
+        <p:spPr bwMode="auto">
+          <a:xfrm>
+            <a:off x="9776132" y="664445"/>
+            <a:ext cx="1165470" cy="346394"/>
+          </a:xfrm>
+          <a:prstGeom prst="rect">
+            <a:avLst/>
+          </a:prstGeom>
+          <a:noFill/>
+          <a:extLst>
+            <a:ext uri="{909E8E84-426E-40DD-AFC4-6F175D3DCCD1}">
+              <a14:hiddenFill xmlns:a14="http://schemas.microsoft.com/office/drawing/2010/main">
+                <a:solidFill>
+                  <a:srgbClr val="FFFFFF"/>
+                </a:solidFill>
+              </a14:hiddenFill>
+            </a:ext>
+          </a:extLst>
+        </p:spPr>
+      </p:pic>
+      <p:sp>
+        <p:nvSpPr>
+          <p:cNvPr id="7" name="Rectangle: Rounded Corners 6">
+            <a:extLst>
+              <a:ext uri="{FF2B5EF4-FFF2-40B4-BE49-F238E27FC236}">
+                <a16:creationId xmlns:a16="http://schemas.microsoft.com/office/drawing/2014/main" id="{517B7B56-71FA-CC86-B56F-B8FC329D85E4}"/>
+              </a:ext>
+            </a:extLst>
+          </p:cNvPr>
+          <p:cNvSpPr/>
+          <p:nvPr/>
+        </p:nvSpPr>
+        <p:spPr>
+          <a:xfrm>
+            <a:off x="3556360" y="1589012"/>
+            <a:ext cx="3009539" cy="3207247"/>
+          </a:xfrm>
+          <a:prstGeom prst="roundRect">
+            <a:avLst>
+              <a:gd name="adj" fmla="val 3009"/>
+            </a:avLst>
+          </a:prstGeom>
+          <a:noFill/>
+          <a:ln>
+            <a:solidFill>
+              <a:schemeClr val="tx1">
+                <a:lumMod val="50000"/>
+                <a:lumOff val="50000"/>
+              </a:schemeClr>
+            </a:solidFill>
+          </a:ln>
+        </p:spPr>
+        <p:style>
+          <a:lnRef idx="2">
+            <a:schemeClr val="accent1">
+              <a:shade val="15000"/>
+            </a:schemeClr>
+          </a:lnRef>
+          <a:fillRef idx="1">
+            <a:schemeClr val="accent1"/>
+          </a:fillRef>
+          <a:effectRef idx="0">
+            <a:schemeClr val="accent1"/>
+          </a:effectRef>
+          <a:fontRef idx="minor">
+            <a:schemeClr val="lt1"/>
+          </a:fontRef>
+        </p:style>
+        <p:txBody>
+          <a:bodyPr rtlCol="0" anchor="ctr"/>
+          <a:lstStyle/>
+          <a:p>
+            <a:pPr algn="ctr"/>
+            <a:endParaRPr lang="en-US" dirty="0"/>
+          </a:p>
+        </p:txBody>
+      </p:sp>
+      <p:pic>
+        <p:nvPicPr>
+          <p:cNvPr id="1036" name="Picture 12" descr="Virtual Network | Microsoft Azure Color">
+            <a:extLst>
+              <a:ext uri="{FF2B5EF4-FFF2-40B4-BE49-F238E27FC236}">
+                <a16:creationId xmlns:a16="http://schemas.microsoft.com/office/drawing/2014/main" id="{7DB8C411-ADD1-5D66-B8BA-0E29CA7C3641}"/>
+              </a:ext>
+            </a:extLst>
+          </p:cNvPr>
+          <p:cNvPicPr>
+            <a:picLocks noChangeAspect="1" noChangeArrowheads="1"/>
+          </p:cNvPicPr>
+          <p:nvPr/>
+        </p:nvPicPr>
+        <p:blipFill>
+          <a:blip r:embed="rId4">
+            <a:extLst>
+              <a:ext uri="{28A0092B-C50C-407E-A947-70E740481C1C}">
+                <a14:useLocalDpi xmlns:a14="http://schemas.microsoft.com/office/drawing/2010/main" val="0"/>
+              </a:ext>
+            </a:extLst>
+          </a:blip>
+          <a:srcRect/>
+          <a:stretch>
+            <a:fillRect/>
+          </a:stretch>
+        </p:blipFill>
+        <p:spPr bwMode="auto">
+          <a:xfrm>
+            <a:off x="4048486" y="1405267"/>
+            <a:ext cx="631825" cy="367490"/>
+          </a:xfrm>
+          <a:prstGeom prst="rect">
+            <a:avLst/>
+          </a:prstGeom>
+          <a:noFill/>
+          <a:extLst>
+            <a:ext uri="{909E8E84-426E-40DD-AFC4-6F175D3DCCD1}">
+              <a14:hiddenFill xmlns:a14="http://schemas.microsoft.com/office/drawing/2010/main">
+                <a:solidFill>
+                  <a:srgbClr val="FFFFFF"/>
+                </a:solidFill>
+              </a14:hiddenFill>
+            </a:ext>
+          </a:extLst>
+        </p:spPr>
+      </p:pic>
+      <p:sp>
+        <p:nvSpPr>
+          <p:cNvPr id="8" name="Rectangle: Rounded Corners 7">
+            <a:extLst>
+              <a:ext uri="{FF2B5EF4-FFF2-40B4-BE49-F238E27FC236}">
+                <a16:creationId xmlns:a16="http://schemas.microsoft.com/office/drawing/2014/main" id="{5CAD87CD-B938-EC4D-4E6A-8FA3FEA9ABF0}"/>
+              </a:ext>
+            </a:extLst>
+          </p:cNvPr>
+          <p:cNvSpPr/>
+          <p:nvPr/>
+        </p:nvSpPr>
+        <p:spPr>
+          <a:xfrm>
+            <a:off x="3708760" y="2146874"/>
+            <a:ext cx="2609851" cy="2490610"/>
+          </a:xfrm>
+          <a:prstGeom prst="roundRect">
+            <a:avLst>
+              <a:gd name="adj" fmla="val 5796"/>
+            </a:avLst>
+          </a:prstGeom>
+          <a:noFill/>
+          <a:ln>
+            <a:solidFill>
+              <a:schemeClr val="tx1">
+                <a:lumMod val="50000"/>
+                <a:lumOff val="50000"/>
+              </a:schemeClr>
+            </a:solidFill>
+          </a:ln>
+        </p:spPr>
+        <p:style>
+          <a:lnRef idx="2">
+            <a:schemeClr val="accent1">
+              <a:shade val="15000"/>
+            </a:schemeClr>
+          </a:lnRef>
+          <a:fillRef idx="1">
+            <a:schemeClr val="accent1"/>
+          </a:fillRef>
+          <a:effectRef idx="0">
+            <a:schemeClr val="accent1"/>
+          </a:effectRef>
+          <a:fontRef idx="minor">
+            <a:schemeClr val="lt1"/>
+          </a:fontRef>
+        </p:style>
+        <p:txBody>
+          <a:bodyPr rtlCol="0" anchor="ctr"/>
+          <a:lstStyle/>
+          <a:p>
+            <a:pPr algn="ctr"/>
+            <a:endParaRPr lang="en-US"/>
+          </a:p>
+        </p:txBody>
+      </p:sp>
+      <p:pic>
+        <p:nvPicPr>
+          <p:cNvPr id="1030" name="Picture 6" descr="IPv6 in Azure">
+            <a:extLst>
+              <a:ext uri="{FF2B5EF4-FFF2-40B4-BE49-F238E27FC236}">
+                <a16:creationId xmlns:a16="http://schemas.microsoft.com/office/drawing/2014/main" id="{E339E366-7035-B772-53D9-B3D03BED7804}"/>
+              </a:ext>
+            </a:extLst>
+          </p:cNvPr>
+          <p:cNvPicPr>
+            <a:picLocks noChangeAspect="1" noChangeArrowheads="1"/>
+          </p:cNvPicPr>
+          <p:nvPr/>
+        </p:nvPicPr>
+        <p:blipFill>
+          <a:blip r:embed="rId5">
+            <a:extLst>
+              <a:ext uri="{28A0092B-C50C-407E-A947-70E740481C1C}">
+                <a14:useLocalDpi xmlns:a14="http://schemas.microsoft.com/office/drawing/2010/main" val="0"/>
+              </a:ext>
+            </a:extLst>
+          </a:blip>
+          <a:srcRect/>
+          <a:stretch>
+            <a:fillRect/>
+          </a:stretch>
+        </p:blipFill>
+        <p:spPr bwMode="auto">
+          <a:xfrm>
+            <a:off x="3841555" y="1865948"/>
+            <a:ext cx="490062" cy="490062"/>
+          </a:xfrm>
+          <a:prstGeom prst="rect">
+            <a:avLst/>
+          </a:prstGeom>
+          <a:noFill/>
+          <a:extLst>
+            <a:ext uri="{909E8E84-426E-40DD-AFC4-6F175D3DCCD1}">
+              <a14:hiddenFill xmlns:a14="http://schemas.microsoft.com/office/drawing/2010/main">
+                <a:solidFill>
+                  <a:srgbClr val="FFFFFF"/>
+                </a:solidFill>
+              </a14:hiddenFill>
+            </a:ext>
+          </a:extLst>
+        </p:spPr>
+      </p:pic>
+      <p:sp>
+        <p:nvSpPr>
+          <p:cNvPr id="9" name="TextBox 8">
+            <a:extLst>
+              <a:ext uri="{FF2B5EF4-FFF2-40B4-BE49-F238E27FC236}">
+                <a16:creationId xmlns:a16="http://schemas.microsoft.com/office/drawing/2014/main" id="{E90F0ED2-7108-D705-266E-DCE44D0BCF82}"/>
+              </a:ext>
+            </a:extLst>
+          </p:cNvPr>
+          <p:cNvSpPr txBox="1"/>
+          <p:nvPr/>
+        </p:nvSpPr>
+        <p:spPr>
+          <a:xfrm>
+            <a:off x="4642211" y="1258575"/>
+            <a:ext cx="1462323" cy="369332"/>
+          </a:xfrm>
+          <a:prstGeom prst="rect">
+            <a:avLst/>
+          </a:prstGeom>
+          <a:noFill/>
+        </p:spPr>
+        <p:txBody>
+          <a:bodyPr wrap="none" rtlCol="0">
+            <a:spAutoFit/>
+          </a:bodyPr>
+          <a:lstStyle/>
+          <a:p>
+            <a:r>
+              <a:rPr lang="en-US" dirty="0"/>
+              <a:t>hub-</a:t>
+            </a:r>
+            <a:r>
+              <a:rPr lang="en-US" dirty="0" err="1"/>
+              <a:t>krc</a:t>
+            </a:r>
+            <a:r>
+              <a:rPr lang="en-US" dirty="0"/>
+              <a:t>-</a:t>
+            </a:r>
+            <a:r>
+              <a:rPr lang="en-US" dirty="0" err="1"/>
+              <a:t>vnet</a:t>
+            </a:r>
+            <a:endParaRPr lang="en-US" dirty="0"/>
+          </a:p>
+        </p:txBody>
+      </p:sp>
+      <p:sp>
+        <p:nvSpPr>
+          <p:cNvPr id="10" name="TextBox 9">
+            <a:extLst>
+              <a:ext uri="{FF2B5EF4-FFF2-40B4-BE49-F238E27FC236}">
+                <a16:creationId xmlns:a16="http://schemas.microsoft.com/office/drawing/2014/main" id="{D37D3423-8F34-A549-1AEF-1B14215E97F3}"/>
+              </a:ext>
+            </a:extLst>
+          </p:cNvPr>
+          <p:cNvSpPr txBox="1"/>
+          <p:nvPr/>
+        </p:nvSpPr>
+        <p:spPr>
+          <a:xfrm>
+            <a:off x="4232150" y="1858544"/>
+            <a:ext cx="1567417" cy="307777"/>
+          </a:xfrm>
+          <a:prstGeom prst="rect">
+            <a:avLst/>
+          </a:prstGeom>
+          <a:noFill/>
+        </p:spPr>
+        <p:txBody>
+          <a:bodyPr wrap="none" rtlCol="0">
+            <a:spAutoFit/>
+          </a:bodyPr>
+          <a:lstStyle/>
+          <a:p>
+            <a:r>
+              <a:rPr lang="en-US" sz="1400" dirty="0"/>
+              <a:t>Delegated Subnet</a:t>
+            </a:r>
+          </a:p>
+        </p:txBody>
+      </p:sp>
+      <p:sp>
+        <p:nvSpPr>
+          <p:cNvPr id="11" name="Rectangle: Rounded Corners 10">
+            <a:extLst>
+              <a:ext uri="{FF2B5EF4-FFF2-40B4-BE49-F238E27FC236}">
+                <a16:creationId xmlns:a16="http://schemas.microsoft.com/office/drawing/2014/main" id="{58EC6DCD-525D-7F8F-45B3-A6C22FDEAE54}"/>
+              </a:ext>
+            </a:extLst>
+          </p:cNvPr>
+          <p:cNvSpPr/>
+          <p:nvPr/>
+        </p:nvSpPr>
+        <p:spPr>
+          <a:xfrm>
+            <a:off x="3841554" y="2516206"/>
+            <a:ext cx="2352927" cy="1884344"/>
+          </a:xfrm>
+          <a:prstGeom prst="roundRect">
+            <a:avLst>
+              <a:gd name="adj" fmla="val 4587"/>
+            </a:avLst>
+          </a:prstGeom>
+          <a:noFill/>
+          <a:ln>
+            <a:solidFill>
+              <a:schemeClr val="tx1">
+                <a:lumMod val="50000"/>
+                <a:lumOff val="50000"/>
+              </a:schemeClr>
+            </a:solidFill>
+          </a:ln>
+        </p:spPr>
+        <p:style>
+          <a:lnRef idx="2">
+            <a:schemeClr val="accent1">
+              <a:shade val="15000"/>
+            </a:schemeClr>
+          </a:lnRef>
+          <a:fillRef idx="1">
+            <a:schemeClr val="accent1"/>
+          </a:fillRef>
+          <a:effectRef idx="0">
+            <a:schemeClr val="accent1"/>
+          </a:effectRef>
+          <a:fontRef idx="minor">
+            <a:schemeClr val="lt1"/>
+          </a:fontRef>
+        </p:style>
+        <p:txBody>
+          <a:bodyPr rtlCol="0" anchor="ctr"/>
+          <a:lstStyle/>
+          <a:p>
+            <a:pPr algn="ctr"/>
+            <a:endParaRPr lang="en-US"/>
+          </a:p>
+        </p:txBody>
+      </p:sp>
+      <p:sp>
+        <p:nvSpPr>
+          <p:cNvPr id="12" name="TextBox 11">
+            <a:extLst>
+              <a:ext uri="{FF2B5EF4-FFF2-40B4-BE49-F238E27FC236}">
+                <a16:creationId xmlns:a16="http://schemas.microsoft.com/office/drawing/2014/main" id="{B44CB9EF-C4F5-14C7-A151-BAA266B9330D}"/>
+              </a:ext>
+            </a:extLst>
+          </p:cNvPr>
+          <p:cNvSpPr txBox="1"/>
+          <p:nvPr/>
+        </p:nvSpPr>
+        <p:spPr>
+          <a:xfrm>
+            <a:off x="3997445" y="2350067"/>
+            <a:ext cx="2032479" cy="369332"/>
+          </a:xfrm>
+          <a:prstGeom prst="rect">
+            <a:avLst/>
+          </a:prstGeom>
+          <a:solidFill>
+            <a:schemeClr val="bg1"/>
+          </a:solidFill>
+          <a:ln>
+            <a:solidFill>
+              <a:schemeClr val="tx1">
+                <a:lumMod val="50000"/>
+                <a:lumOff val="50000"/>
+              </a:schemeClr>
+            </a:solidFill>
+          </a:ln>
+        </p:spPr>
+        <p:txBody>
+          <a:bodyPr wrap="none" rtlCol="0">
+            <a:spAutoFit/>
+          </a:bodyPr>
+          <a:lstStyle/>
+          <a:p>
+            <a:r>
+              <a:rPr lang="en-US" dirty="0"/>
+              <a:t>Injected Container</a:t>
+            </a:r>
+          </a:p>
+        </p:txBody>
+      </p:sp>
+      <p:sp>
+        <p:nvSpPr>
+          <p:cNvPr id="13" name="Rectangle: Rounded Corners 12">
+            <a:extLst>
+              <a:ext uri="{FF2B5EF4-FFF2-40B4-BE49-F238E27FC236}">
+                <a16:creationId xmlns:a16="http://schemas.microsoft.com/office/drawing/2014/main" id="{9E77BA71-4BB8-0C08-F473-88514B736DA3}"/>
+              </a:ext>
+            </a:extLst>
+          </p:cNvPr>
+          <p:cNvSpPr/>
+          <p:nvPr/>
+        </p:nvSpPr>
+        <p:spPr>
+          <a:xfrm>
+            <a:off x="3994511" y="2940968"/>
+            <a:ext cx="2095500" cy="436622"/>
+          </a:xfrm>
+          <a:prstGeom prst="roundRect">
+            <a:avLst>
+              <a:gd name="adj" fmla="val 5796"/>
+            </a:avLst>
+          </a:prstGeom>
+          <a:noFill/>
+          <a:ln>
+            <a:solidFill>
+              <a:schemeClr val="tx1">
+                <a:lumMod val="50000"/>
+                <a:lumOff val="50000"/>
+              </a:schemeClr>
+            </a:solidFill>
+          </a:ln>
+        </p:spPr>
+        <p:style>
+          <a:lnRef idx="2">
+            <a:schemeClr val="accent1">
+              <a:shade val="15000"/>
+            </a:schemeClr>
+          </a:lnRef>
+          <a:fillRef idx="1">
+            <a:schemeClr val="accent1"/>
+          </a:fillRef>
+          <a:effectRef idx="0">
+            <a:schemeClr val="accent1"/>
+          </a:effectRef>
+          <a:fontRef idx="minor">
+            <a:schemeClr val="lt1"/>
+          </a:fontRef>
+        </p:style>
+        <p:txBody>
+          <a:bodyPr rtlCol="0" anchor="ctr"/>
+          <a:lstStyle/>
+          <a:p>
+            <a:pPr algn="ctr"/>
+            <a:r>
+              <a:rPr lang="en-US" dirty="0">
+                <a:solidFill>
+                  <a:schemeClr val="tx1"/>
+                </a:solidFill>
+              </a:rPr>
+              <a:t>Dataverse</a:t>
+            </a:r>
+            <a:r>
+              <a:rPr lang="ko-KR" altLang="en-US" dirty="0">
+                <a:solidFill>
+                  <a:schemeClr val="tx1"/>
+                </a:solidFill>
+              </a:rPr>
+              <a:t> </a:t>
+            </a:r>
+            <a:r>
+              <a:rPr lang="en-US" altLang="ko-KR" dirty="0">
+                <a:solidFill>
+                  <a:schemeClr val="tx1"/>
+                </a:solidFill>
+              </a:rPr>
+              <a:t>Plug-in</a:t>
+            </a:r>
+            <a:endParaRPr lang="en-US" dirty="0">
+              <a:solidFill>
+                <a:schemeClr val="tx1"/>
+              </a:solidFill>
+            </a:endParaRPr>
+          </a:p>
+        </p:txBody>
+      </p:sp>
+      <p:sp>
+        <p:nvSpPr>
+          <p:cNvPr id="14" name="Rectangle: Rounded Corners 13">
+            <a:extLst>
+              <a:ext uri="{FF2B5EF4-FFF2-40B4-BE49-F238E27FC236}">
+                <a16:creationId xmlns:a16="http://schemas.microsoft.com/office/drawing/2014/main" id="{8CF05C49-12D9-573A-1104-34C42B55014E}"/>
+              </a:ext>
+            </a:extLst>
+          </p:cNvPr>
+          <p:cNvSpPr/>
+          <p:nvPr/>
+        </p:nvSpPr>
+        <p:spPr>
+          <a:xfrm>
+            <a:off x="3994511" y="3666394"/>
+            <a:ext cx="2095500" cy="436622"/>
+          </a:xfrm>
+          <a:prstGeom prst="roundRect">
+            <a:avLst>
+              <a:gd name="adj" fmla="val 5796"/>
+            </a:avLst>
+          </a:prstGeom>
+          <a:noFill/>
+          <a:ln>
+            <a:solidFill>
+              <a:schemeClr val="tx1">
+                <a:lumMod val="50000"/>
+                <a:lumOff val="50000"/>
+              </a:schemeClr>
+            </a:solidFill>
+          </a:ln>
+        </p:spPr>
+        <p:style>
+          <a:lnRef idx="2">
+            <a:schemeClr val="accent1">
+              <a:shade val="15000"/>
+            </a:schemeClr>
+          </a:lnRef>
+          <a:fillRef idx="1">
+            <a:schemeClr val="accent1"/>
+          </a:fillRef>
+          <a:effectRef idx="0">
+            <a:schemeClr val="accent1"/>
+          </a:effectRef>
+          <a:fontRef idx="minor">
+            <a:schemeClr val="lt1"/>
+          </a:fontRef>
+        </p:style>
+        <p:txBody>
+          <a:bodyPr rtlCol="0" anchor="ctr"/>
+          <a:lstStyle/>
+          <a:p>
+            <a:pPr algn="ctr"/>
+            <a:r>
+              <a:rPr lang="en-US" dirty="0">
+                <a:solidFill>
+                  <a:schemeClr val="tx1"/>
+                </a:solidFill>
+              </a:rPr>
+              <a:t>SQL Connector</a:t>
+            </a:r>
+          </a:p>
+        </p:txBody>
+      </p:sp>
+      <p:pic>
+        <p:nvPicPr>
+          <p:cNvPr id="1040" name="Picture 16" descr="Precios: Azure Private Link | Microsoft Azure">
+            <a:extLst>
+              <a:ext uri="{FF2B5EF4-FFF2-40B4-BE49-F238E27FC236}">
+                <a16:creationId xmlns:a16="http://schemas.microsoft.com/office/drawing/2014/main" id="{BA023476-62D3-49CB-D10E-5A77476D19A1}"/>
+              </a:ext>
+            </a:extLst>
+          </p:cNvPr>
+          <p:cNvPicPr>
+            <a:picLocks noChangeAspect="1" noChangeArrowheads="1"/>
+          </p:cNvPicPr>
+          <p:nvPr/>
+        </p:nvPicPr>
+        <p:blipFill rotWithShape="1">
+          <a:blip r:embed="rId6">
+            <a:extLst>
+              <a:ext uri="{28A0092B-C50C-407E-A947-70E740481C1C}">
+                <a14:useLocalDpi xmlns:a14="http://schemas.microsoft.com/office/drawing/2010/main" val="0"/>
+              </a:ext>
+            </a:extLst>
+          </a:blip>
+          <a:srcRect l="16981" r="18868"/>
+          <a:stretch>
+            <a:fillRect/>
+          </a:stretch>
+        </p:blipFill>
+        <p:spPr bwMode="auto">
+          <a:xfrm>
+            <a:off x="8787160" y="2750503"/>
+            <a:ext cx="541175" cy="442888"/>
+          </a:xfrm>
+          <a:prstGeom prst="rect">
+            <a:avLst/>
+          </a:prstGeom>
+          <a:noFill/>
+          <a:extLst>
+            <a:ext uri="{909E8E84-426E-40DD-AFC4-6F175D3DCCD1}">
+              <a14:hiddenFill xmlns:a14="http://schemas.microsoft.com/office/drawing/2010/main">
+                <a:solidFill>
+                  <a:srgbClr val="FFFFFF"/>
+                </a:solidFill>
+              </a14:hiddenFill>
+            </a:ext>
+          </a:extLst>
+        </p:spPr>
+      </p:pic>
+      <p:cxnSp>
+        <p:nvCxnSpPr>
+          <p:cNvPr id="24" name="Straight Connector 23">
+            <a:extLst>
+              <a:ext uri="{FF2B5EF4-FFF2-40B4-BE49-F238E27FC236}">
+                <a16:creationId xmlns:a16="http://schemas.microsoft.com/office/drawing/2014/main" id="{25ADF96F-622C-056B-3622-4490C8E28716}"/>
+              </a:ext>
+            </a:extLst>
+          </p:cNvPr>
+          <p:cNvCxnSpPr>
+            <a:cxnSpLocks/>
+            <a:stCxn id="1040" idx="2"/>
+            <a:endCxn id="1026" idx="0"/>
+          </p:cNvCxnSpPr>
+          <p:nvPr/>
+        </p:nvCxnSpPr>
+        <p:spPr>
+          <a:xfrm flipH="1">
+            <a:off x="9057746" y="3193391"/>
+            <a:ext cx="2" cy="903440"/>
+          </a:xfrm>
+          <a:prstGeom prst="line">
+            <a:avLst/>
+          </a:prstGeom>
+          <a:ln>
+            <a:prstDash val="dash"/>
+          </a:ln>
+        </p:spPr>
+        <p:style>
+          <a:lnRef idx="2">
+            <a:schemeClr val="accent1"/>
+          </a:lnRef>
+          <a:fillRef idx="0">
+            <a:schemeClr val="accent1"/>
+          </a:fillRef>
+          <a:effectRef idx="1">
+            <a:schemeClr val="accent1"/>
+          </a:effectRef>
+          <a:fontRef idx="minor">
+            <a:schemeClr val="tx1"/>
+          </a:fontRef>
+        </p:style>
+      </p:cxnSp>
+      <p:sp>
+        <p:nvSpPr>
+          <p:cNvPr id="30" name="TextBox 29">
+            <a:extLst>
+              <a:ext uri="{FF2B5EF4-FFF2-40B4-BE49-F238E27FC236}">
+                <a16:creationId xmlns:a16="http://schemas.microsoft.com/office/drawing/2014/main" id="{898F94AB-9970-578B-CE4A-FC042E6FD3D7}"/>
+              </a:ext>
+            </a:extLst>
+          </p:cNvPr>
+          <p:cNvSpPr txBox="1"/>
+          <p:nvPr/>
+        </p:nvSpPr>
+        <p:spPr>
+          <a:xfrm>
+            <a:off x="8377585" y="2457980"/>
+            <a:ext cx="1345368" cy="276999"/>
+          </a:xfrm>
+          <a:prstGeom prst="rect">
+            <a:avLst/>
+          </a:prstGeom>
+          <a:noFill/>
+        </p:spPr>
+        <p:txBody>
+          <a:bodyPr wrap="none" rtlCol="0">
+            <a:spAutoFit/>
+          </a:bodyPr>
+          <a:lstStyle/>
+          <a:p>
+            <a:r>
+              <a:rPr lang="en-US" sz="1200" dirty="0"/>
+              <a:t>Private Endpoints</a:t>
+            </a:r>
+          </a:p>
+        </p:txBody>
+      </p:sp>
+      <p:cxnSp>
+        <p:nvCxnSpPr>
+          <p:cNvPr id="1048" name="Straight Arrow Connector 1047">
+            <a:extLst>
+              <a:ext uri="{FF2B5EF4-FFF2-40B4-BE49-F238E27FC236}">
+                <a16:creationId xmlns:a16="http://schemas.microsoft.com/office/drawing/2014/main" id="{5B2048F2-95BE-3CCB-9619-CCACC3A45846}"/>
+              </a:ext>
+            </a:extLst>
+          </p:cNvPr>
+          <p:cNvCxnSpPr>
+            <a:cxnSpLocks/>
+            <a:stCxn id="7" idx="3"/>
+          </p:cNvCxnSpPr>
+          <p:nvPr/>
+        </p:nvCxnSpPr>
+        <p:spPr>
+          <a:xfrm flipV="1">
+            <a:off x="6565899" y="3192635"/>
+            <a:ext cx="990012" cy="1"/>
+          </a:xfrm>
+          <a:prstGeom prst="straightConnector1">
+            <a:avLst/>
+          </a:prstGeom>
+          <a:ln>
+            <a:prstDash val="sysDash"/>
+            <a:headEnd type="triangle"/>
+            <a:tailEnd type="triangle"/>
+          </a:ln>
+        </p:spPr>
+        <p:style>
+          <a:lnRef idx="2">
+            <a:schemeClr val="accent1"/>
+          </a:lnRef>
+          <a:fillRef idx="0">
+            <a:schemeClr val="accent1"/>
+          </a:fillRef>
+          <a:effectRef idx="1">
+            <a:schemeClr val="accent1"/>
+          </a:effectRef>
+          <a:fontRef idx="minor">
+            <a:schemeClr val="tx1"/>
+          </a:fontRef>
+        </p:style>
+      </p:cxnSp>
+      <p:sp>
+        <p:nvSpPr>
+          <p:cNvPr id="1051" name="TextBox 1050">
+            <a:extLst>
+              <a:ext uri="{FF2B5EF4-FFF2-40B4-BE49-F238E27FC236}">
+                <a16:creationId xmlns:a16="http://schemas.microsoft.com/office/drawing/2014/main" id="{D019AB08-8EDD-5EB6-FE42-B80203FFA0A8}"/>
+              </a:ext>
+            </a:extLst>
+          </p:cNvPr>
+          <p:cNvSpPr txBox="1"/>
+          <p:nvPr/>
+        </p:nvSpPr>
+        <p:spPr>
+          <a:xfrm>
+            <a:off x="6651509" y="2523642"/>
+            <a:ext cx="857010" cy="646331"/>
+          </a:xfrm>
+          <a:prstGeom prst="rect">
+            <a:avLst/>
+          </a:prstGeom>
+          <a:noFill/>
+        </p:spPr>
+        <p:txBody>
+          <a:bodyPr wrap="square" rtlCol="0">
+            <a:spAutoFit/>
+          </a:bodyPr>
+          <a:lstStyle/>
+          <a:p>
+            <a:pPr algn="ctr"/>
+            <a:r>
+              <a:rPr lang="en-US" sz="1200" dirty="0"/>
+              <a:t>Virtual Network</a:t>
+            </a:r>
+            <a:br>
+              <a:rPr lang="en-US" sz="1200" dirty="0"/>
+            </a:br>
+            <a:r>
+              <a:rPr lang="en-US" sz="1200" dirty="0"/>
+              <a:t>Peering</a:t>
+            </a:r>
+          </a:p>
+        </p:txBody>
+      </p:sp>
+      <p:cxnSp>
+        <p:nvCxnSpPr>
+          <p:cNvPr id="1063" name="Connector: Elbow 1062">
+            <a:extLst>
+              <a:ext uri="{FF2B5EF4-FFF2-40B4-BE49-F238E27FC236}">
+                <a16:creationId xmlns:a16="http://schemas.microsoft.com/office/drawing/2014/main" id="{37B5A0BB-D291-90AB-D29F-58AF509E604B}"/>
+              </a:ext>
+            </a:extLst>
+          </p:cNvPr>
+          <p:cNvCxnSpPr>
+            <a:cxnSpLocks/>
+            <a:stCxn id="5" idx="3"/>
+            <a:endCxn id="13" idx="1"/>
+          </p:cNvCxnSpPr>
+          <p:nvPr/>
+        </p:nvCxnSpPr>
+        <p:spPr>
+          <a:xfrm flipV="1">
+            <a:off x="2906467" y="3159279"/>
+            <a:ext cx="1088044" cy="418585"/>
+          </a:xfrm>
+          <a:prstGeom prst="bentConnector3">
+            <a:avLst/>
+          </a:prstGeom>
+          <a:ln>
+            <a:tailEnd type="triangle"/>
+          </a:ln>
+        </p:spPr>
+        <p:style>
+          <a:lnRef idx="2">
+            <a:schemeClr val="accent1"/>
+          </a:lnRef>
+          <a:fillRef idx="0">
+            <a:schemeClr val="accent1"/>
+          </a:fillRef>
+          <a:effectRef idx="1">
+            <a:schemeClr val="accent1"/>
+          </a:effectRef>
+          <a:fontRef idx="minor">
+            <a:schemeClr val="tx1"/>
+          </a:fontRef>
+        </p:style>
+      </p:cxnSp>
+      <p:cxnSp>
+        <p:nvCxnSpPr>
+          <p:cNvPr id="1064" name="Connector: Elbow 1063">
+            <a:extLst>
+              <a:ext uri="{FF2B5EF4-FFF2-40B4-BE49-F238E27FC236}">
+                <a16:creationId xmlns:a16="http://schemas.microsoft.com/office/drawing/2014/main" id="{13E6222B-1050-93FF-71C9-EE344937FF8B}"/>
+              </a:ext>
+            </a:extLst>
+          </p:cNvPr>
+          <p:cNvCxnSpPr>
+            <a:cxnSpLocks/>
+            <a:stCxn id="6" idx="3"/>
+            <a:endCxn id="14" idx="1"/>
+          </p:cNvCxnSpPr>
+          <p:nvPr/>
+        </p:nvCxnSpPr>
+        <p:spPr>
+          <a:xfrm flipV="1">
+            <a:off x="2906467" y="3884705"/>
+            <a:ext cx="1088044" cy="499468"/>
+          </a:xfrm>
+          <a:prstGeom prst="bentConnector3">
+            <a:avLst/>
+          </a:prstGeom>
+          <a:ln>
+            <a:tailEnd type="triangle"/>
+          </a:ln>
+        </p:spPr>
+        <p:style>
+          <a:lnRef idx="2">
+            <a:schemeClr val="accent1"/>
+          </a:lnRef>
+          <a:fillRef idx="0">
+            <a:schemeClr val="accent1"/>
+          </a:fillRef>
+          <a:effectRef idx="1">
+            <a:schemeClr val="accent1"/>
+          </a:effectRef>
+          <a:fontRef idx="minor">
+            <a:schemeClr val="tx1"/>
+          </a:fontRef>
+        </p:style>
+      </p:cxnSp>
+      <p:sp>
+        <p:nvSpPr>
+          <p:cNvPr id="1075" name="Multiplication Sign 1074">
+            <a:extLst>
+              <a:ext uri="{FF2B5EF4-FFF2-40B4-BE49-F238E27FC236}">
+                <a16:creationId xmlns:a16="http://schemas.microsoft.com/office/drawing/2014/main" id="{86516D33-250F-A0E4-F2A4-B879495748C0}"/>
+              </a:ext>
+            </a:extLst>
+          </p:cNvPr>
+          <p:cNvSpPr/>
+          <p:nvPr/>
+        </p:nvSpPr>
+        <p:spPr>
+          <a:xfrm>
+            <a:off x="671368" y="2885363"/>
+            <a:ext cx="2287640" cy="2335658"/>
+          </a:xfrm>
+          <a:prstGeom prst="mathMultiply">
+            <a:avLst>
+              <a:gd name="adj1" fmla="val 20563"/>
+            </a:avLst>
+          </a:prstGeom>
+          <a:solidFill>
+            <a:srgbClr val="FF0000">
+              <a:alpha val="33000"/>
+            </a:srgbClr>
+          </a:solidFill>
+          <a:ln>
+            <a:noFill/>
+          </a:ln>
+        </p:spPr>
+        <p:style>
+          <a:lnRef idx="2">
+            <a:schemeClr val="accent1">
+              <a:shade val="15000"/>
+            </a:schemeClr>
+          </a:lnRef>
+          <a:fillRef idx="1">
+            <a:schemeClr val="accent1"/>
+          </a:fillRef>
+          <a:effectRef idx="0">
+            <a:schemeClr val="accent1"/>
+          </a:effectRef>
+          <a:fontRef idx="minor">
+            <a:schemeClr val="lt1"/>
+          </a:fontRef>
+        </p:style>
+        <p:txBody>
+          <a:bodyPr rtlCol="0" anchor="ctr"/>
+          <a:lstStyle/>
+          <a:p>
+            <a:pPr algn="ctr"/>
+            <a:endParaRPr lang="en-US"/>
+          </a:p>
+        </p:txBody>
+      </p:sp>
+      <p:pic>
+        <p:nvPicPr>
+          <p:cNvPr id="1026" name="Picture 2" descr="Azure SQL Managed Instance와 Azure SQL PaaS의 차이점 - Genspark">
+            <a:extLst>
+              <a:ext uri="{FF2B5EF4-FFF2-40B4-BE49-F238E27FC236}">
+                <a16:creationId xmlns:a16="http://schemas.microsoft.com/office/drawing/2014/main" id="{87C3D869-6F19-87A9-412B-AB19D761837E}"/>
+              </a:ext>
+            </a:extLst>
+          </p:cNvPr>
+          <p:cNvPicPr>
+            <a:picLocks noChangeAspect="1" noChangeArrowheads="1"/>
+          </p:cNvPicPr>
+          <p:nvPr/>
+        </p:nvPicPr>
+        <p:blipFill rotWithShape="1">
+          <a:blip r:embed="rId7">
+            <a:extLst>
+              <a:ext uri="{28A0092B-C50C-407E-A947-70E740481C1C}">
+                <a14:useLocalDpi xmlns:a14="http://schemas.microsoft.com/office/drawing/2010/main" val="0"/>
+              </a:ext>
+            </a:extLst>
+          </a:blip>
+          <a:srcRect l="26133" t="7436" r="25674" b="8154"/>
+          <a:stretch>
+            <a:fillRect/>
+          </a:stretch>
+        </p:blipFill>
+        <p:spPr bwMode="auto">
+          <a:xfrm>
+            <a:off x="8769546" y="4096831"/>
+            <a:ext cx="576400" cy="757754"/>
+          </a:xfrm>
+          <a:prstGeom prst="rect">
+            <a:avLst/>
+          </a:prstGeom>
+          <a:noFill/>
+          <a:extLst>
+            <a:ext uri="{909E8E84-426E-40DD-AFC4-6F175D3DCCD1}">
+              <a14:hiddenFill xmlns:a14="http://schemas.microsoft.com/office/drawing/2010/main">
+                <a:solidFill>
+                  <a:srgbClr val="FFFFFF"/>
+                </a:solidFill>
+              </a14:hiddenFill>
+            </a:ext>
+          </a:extLst>
+        </p:spPr>
+      </p:pic>
+      <p:sp>
+        <p:nvSpPr>
+          <p:cNvPr id="36" name="Rectangle: Rounded Corners 35">
+            <a:extLst>
+              <a:ext uri="{FF2B5EF4-FFF2-40B4-BE49-F238E27FC236}">
+                <a16:creationId xmlns:a16="http://schemas.microsoft.com/office/drawing/2014/main" id="{EE71F259-F5A5-4602-AB8A-D0C0E776B2BD}"/>
+              </a:ext>
+            </a:extLst>
+          </p:cNvPr>
+          <p:cNvSpPr/>
+          <p:nvPr/>
+        </p:nvSpPr>
+        <p:spPr>
+          <a:xfrm>
+            <a:off x="7545500" y="1589013"/>
+            <a:ext cx="3009539" cy="2170187"/>
+          </a:xfrm>
+          <a:prstGeom prst="roundRect">
+            <a:avLst>
+              <a:gd name="adj" fmla="val 3009"/>
+            </a:avLst>
+          </a:prstGeom>
+          <a:noFill/>
+          <a:ln>
+            <a:solidFill>
+              <a:schemeClr val="tx1">
+                <a:lumMod val="50000"/>
+                <a:lumOff val="50000"/>
+              </a:schemeClr>
+            </a:solidFill>
+          </a:ln>
+        </p:spPr>
+        <p:style>
+          <a:lnRef idx="2">
+            <a:schemeClr val="accent1">
+              <a:shade val="15000"/>
+            </a:schemeClr>
+          </a:lnRef>
+          <a:fillRef idx="1">
+            <a:schemeClr val="accent1"/>
+          </a:fillRef>
+          <a:effectRef idx="0">
+            <a:schemeClr val="accent1"/>
+          </a:effectRef>
+          <a:fontRef idx="minor">
+            <a:schemeClr val="lt1"/>
+          </a:fontRef>
+        </p:style>
+        <p:txBody>
+          <a:bodyPr rtlCol="0" anchor="ctr"/>
+          <a:lstStyle/>
+          <a:p>
+            <a:pPr algn="ctr"/>
+            <a:endParaRPr lang="en-US" dirty="0"/>
+          </a:p>
+        </p:txBody>
+      </p:sp>
+      <p:pic>
+        <p:nvPicPr>
+          <p:cNvPr id="37" name="Picture 12" descr="Virtual Network | Microsoft Azure Color">
+            <a:extLst>
+              <a:ext uri="{FF2B5EF4-FFF2-40B4-BE49-F238E27FC236}">
+                <a16:creationId xmlns:a16="http://schemas.microsoft.com/office/drawing/2014/main" id="{3B7C4F09-322A-DADF-1585-3A5B4833B941}"/>
+              </a:ext>
+            </a:extLst>
+          </p:cNvPr>
+          <p:cNvPicPr>
+            <a:picLocks noChangeAspect="1" noChangeArrowheads="1"/>
+          </p:cNvPicPr>
+          <p:nvPr/>
+        </p:nvPicPr>
+        <p:blipFill>
+          <a:blip r:embed="rId4">
+            <a:extLst>
+              <a:ext uri="{28A0092B-C50C-407E-A947-70E740481C1C}">
+                <a14:useLocalDpi xmlns:a14="http://schemas.microsoft.com/office/drawing/2010/main" val="0"/>
+              </a:ext>
+            </a:extLst>
+          </a:blip>
+          <a:srcRect/>
+          <a:stretch>
+            <a:fillRect/>
+          </a:stretch>
+        </p:blipFill>
+        <p:spPr bwMode="auto">
+          <a:xfrm>
+            <a:off x="8037626" y="1405267"/>
+            <a:ext cx="631825" cy="367490"/>
+          </a:xfrm>
+          <a:prstGeom prst="rect">
+            <a:avLst/>
+          </a:prstGeom>
+          <a:noFill/>
+          <a:extLst>
+            <a:ext uri="{909E8E84-426E-40DD-AFC4-6F175D3DCCD1}">
+              <a14:hiddenFill xmlns:a14="http://schemas.microsoft.com/office/drawing/2010/main">
+                <a:solidFill>
+                  <a:srgbClr val="FFFFFF"/>
+                </a:solidFill>
+              </a14:hiddenFill>
+            </a:ext>
+          </a:extLst>
+        </p:spPr>
+      </p:pic>
+      <p:sp>
+        <p:nvSpPr>
+          <p:cNvPr id="38" name="TextBox 37">
+            <a:extLst>
+              <a:ext uri="{FF2B5EF4-FFF2-40B4-BE49-F238E27FC236}">
+                <a16:creationId xmlns:a16="http://schemas.microsoft.com/office/drawing/2014/main" id="{C61524B4-B7B0-F077-DB1E-25605EF5FED3}"/>
+              </a:ext>
+            </a:extLst>
+          </p:cNvPr>
+          <p:cNvSpPr txBox="1"/>
+          <p:nvPr/>
+        </p:nvSpPr>
+        <p:spPr>
+          <a:xfrm>
+            <a:off x="8631351" y="1258575"/>
+            <a:ext cx="1674817" cy="369332"/>
+          </a:xfrm>
+          <a:prstGeom prst="rect">
+            <a:avLst/>
+          </a:prstGeom>
+          <a:noFill/>
+        </p:spPr>
+        <p:txBody>
+          <a:bodyPr wrap="none" rtlCol="0">
+            <a:spAutoFit/>
+          </a:bodyPr>
+          <a:lstStyle/>
+          <a:p>
+            <a:r>
+              <a:rPr lang="en-US" dirty="0"/>
+              <a:t>spoke-</a:t>
+            </a:r>
+            <a:r>
+              <a:rPr lang="en-US" dirty="0" err="1"/>
+              <a:t>krc</a:t>
+            </a:r>
+            <a:r>
+              <a:rPr lang="en-US" dirty="0"/>
+              <a:t>-</a:t>
+            </a:r>
+            <a:r>
+              <a:rPr lang="en-US" dirty="0" err="1"/>
+              <a:t>vnet</a:t>
+            </a:r>
+            <a:endParaRPr lang="en-US" dirty="0"/>
+          </a:p>
+        </p:txBody>
+      </p:sp>
+      <p:sp>
+        <p:nvSpPr>
+          <p:cNvPr id="44" name="Rectangle: Rounded Corners 43">
+            <a:extLst>
+              <a:ext uri="{FF2B5EF4-FFF2-40B4-BE49-F238E27FC236}">
+                <a16:creationId xmlns:a16="http://schemas.microsoft.com/office/drawing/2014/main" id="{2007D8F0-82D3-9B98-B806-44755EE5DB2B}"/>
+              </a:ext>
+            </a:extLst>
+          </p:cNvPr>
+          <p:cNvSpPr/>
+          <p:nvPr/>
+        </p:nvSpPr>
+        <p:spPr>
+          <a:xfrm>
+            <a:off x="7696317" y="2146874"/>
+            <a:ext cx="2609851" cy="1430990"/>
+          </a:xfrm>
+          <a:prstGeom prst="roundRect">
+            <a:avLst>
+              <a:gd name="adj" fmla="val 5796"/>
+            </a:avLst>
+          </a:prstGeom>
+          <a:noFill/>
+          <a:ln>
+            <a:solidFill>
+              <a:schemeClr val="tx1">
+                <a:lumMod val="50000"/>
+                <a:lumOff val="50000"/>
+              </a:schemeClr>
+            </a:solidFill>
+          </a:ln>
+        </p:spPr>
+        <p:style>
+          <a:lnRef idx="2">
+            <a:schemeClr val="accent1">
+              <a:shade val="15000"/>
+            </a:schemeClr>
+          </a:lnRef>
+          <a:fillRef idx="1">
+            <a:schemeClr val="accent1"/>
+          </a:fillRef>
+          <a:effectRef idx="0">
+            <a:schemeClr val="accent1"/>
+          </a:effectRef>
+          <a:fontRef idx="minor">
+            <a:schemeClr val="lt1"/>
+          </a:fontRef>
+        </p:style>
+        <p:txBody>
+          <a:bodyPr rtlCol="0" anchor="ctr"/>
+          <a:lstStyle/>
+          <a:p>
+            <a:pPr algn="ctr"/>
+            <a:endParaRPr lang="en-US"/>
+          </a:p>
+        </p:txBody>
+      </p:sp>
+      <p:pic>
+        <p:nvPicPr>
+          <p:cNvPr id="45" name="Picture 6" descr="IPv6 in Azure">
+            <a:extLst>
+              <a:ext uri="{FF2B5EF4-FFF2-40B4-BE49-F238E27FC236}">
+                <a16:creationId xmlns:a16="http://schemas.microsoft.com/office/drawing/2014/main" id="{0054B3AC-0DAA-CA92-566A-2CE74AECD5CE}"/>
+              </a:ext>
+            </a:extLst>
+          </p:cNvPr>
+          <p:cNvPicPr>
+            <a:picLocks noChangeAspect="1" noChangeArrowheads="1"/>
+          </p:cNvPicPr>
+          <p:nvPr/>
+        </p:nvPicPr>
+        <p:blipFill>
+          <a:blip r:embed="rId5">
+            <a:extLst>
+              <a:ext uri="{28A0092B-C50C-407E-A947-70E740481C1C}">
+                <a14:useLocalDpi xmlns:a14="http://schemas.microsoft.com/office/drawing/2010/main" val="0"/>
+              </a:ext>
+            </a:extLst>
+          </a:blip>
+          <a:srcRect/>
+          <a:stretch>
+            <a:fillRect/>
+          </a:stretch>
+        </p:blipFill>
+        <p:spPr bwMode="auto">
+          <a:xfrm>
+            <a:off x="7829112" y="1865948"/>
+            <a:ext cx="490062" cy="490062"/>
+          </a:xfrm>
+          <a:prstGeom prst="rect">
+            <a:avLst/>
+          </a:prstGeom>
+          <a:noFill/>
+          <a:extLst>
+            <a:ext uri="{909E8E84-426E-40DD-AFC4-6F175D3DCCD1}">
+              <a14:hiddenFill xmlns:a14="http://schemas.microsoft.com/office/drawing/2010/main">
+                <a:solidFill>
+                  <a:srgbClr val="FFFFFF"/>
+                </a:solidFill>
+              </a14:hiddenFill>
+            </a:ext>
+          </a:extLst>
+        </p:spPr>
+      </p:pic>
+      <p:sp>
+        <p:nvSpPr>
+          <p:cNvPr id="46" name="TextBox 45">
+            <a:extLst>
+              <a:ext uri="{FF2B5EF4-FFF2-40B4-BE49-F238E27FC236}">
+                <a16:creationId xmlns:a16="http://schemas.microsoft.com/office/drawing/2014/main" id="{891C0297-736C-20F1-E429-AF9410485D36}"/>
+              </a:ext>
+            </a:extLst>
+          </p:cNvPr>
+          <p:cNvSpPr txBox="1"/>
+          <p:nvPr/>
+        </p:nvSpPr>
+        <p:spPr>
+          <a:xfrm>
+            <a:off x="8219707" y="1858544"/>
+            <a:ext cx="1309782" cy="307777"/>
+          </a:xfrm>
+          <a:prstGeom prst="rect">
+            <a:avLst/>
+          </a:prstGeom>
+          <a:noFill/>
+        </p:spPr>
+        <p:txBody>
+          <a:bodyPr wrap="none" rtlCol="0">
+            <a:spAutoFit/>
+          </a:bodyPr>
+          <a:lstStyle/>
+          <a:p>
+            <a:r>
+              <a:rPr lang="en-US" sz="1400" dirty="0"/>
+              <a:t>default subnet</a:t>
+            </a:r>
+          </a:p>
+        </p:txBody>
+      </p:sp>
+      <p:sp>
+        <p:nvSpPr>
+          <p:cNvPr id="62" name="TextBox 61">
+            <a:extLst>
+              <a:ext uri="{FF2B5EF4-FFF2-40B4-BE49-F238E27FC236}">
+                <a16:creationId xmlns:a16="http://schemas.microsoft.com/office/drawing/2014/main" id="{F2396B6B-13FF-4097-9FDC-6E9EB0DC1236}"/>
+              </a:ext>
+            </a:extLst>
+          </p:cNvPr>
+          <p:cNvSpPr txBox="1"/>
+          <p:nvPr/>
+        </p:nvSpPr>
+        <p:spPr>
+          <a:xfrm>
+            <a:off x="6055470" y="697119"/>
+            <a:ext cx="2049087" cy="369332"/>
+          </a:xfrm>
+          <a:prstGeom prst="rect">
+            <a:avLst/>
+          </a:prstGeom>
+          <a:noFill/>
+        </p:spPr>
+        <p:txBody>
+          <a:bodyPr wrap="none" rtlCol="0">
+            <a:spAutoFit/>
+          </a:bodyPr>
+          <a:lstStyle/>
+          <a:p>
+            <a:r>
+              <a:rPr lang="en-US" dirty="0"/>
+              <a:t>Korea Central </a:t>
+            </a:r>
+            <a:r>
+              <a:rPr lang="ko-KR" altLang="en-US" dirty="0"/>
+              <a:t>리전</a:t>
+            </a:r>
+            <a:endParaRPr lang="en-US" dirty="0"/>
+          </a:p>
+        </p:txBody>
+      </p:sp>
+      <p:sp>
+        <p:nvSpPr>
+          <p:cNvPr id="1047" name="TextBox 1046">
+            <a:extLst>
+              <a:ext uri="{FF2B5EF4-FFF2-40B4-BE49-F238E27FC236}">
+                <a16:creationId xmlns:a16="http://schemas.microsoft.com/office/drawing/2014/main" id="{7C51C6C8-10B6-A1DA-5036-53846D5A3CEE}"/>
+              </a:ext>
+            </a:extLst>
+          </p:cNvPr>
+          <p:cNvSpPr txBox="1"/>
+          <p:nvPr/>
+        </p:nvSpPr>
+        <p:spPr>
+          <a:xfrm>
+            <a:off x="8619165" y="5688661"/>
+            <a:ext cx="877163" cy="369332"/>
+          </a:xfrm>
+          <a:prstGeom prst="rect">
+            <a:avLst/>
+          </a:prstGeom>
+          <a:noFill/>
+        </p:spPr>
+        <p:txBody>
+          <a:bodyPr wrap="none" rtlCol="0">
+            <a:spAutoFit/>
+          </a:bodyPr>
+          <a:lstStyle/>
+          <a:p>
+            <a:r>
+              <a:rPr lang="ko-KR" altLang="en-US" dirty="0"/>
+              <a:t>인터넷</a:t>
+            </a:r>
+            <a:endParaRPr lang="en-US" dirty="0"/>
+          </a:p>
+        </p:txBody>
+      </p:sp>
+      <p:cxnSp>
+        <p:nvCxnSpPr>
+          <p:cNvPr id="1050" name="Straight Arrow Connector 1049">
+            <a:extLst>
+              <a:ext uri="{FF2B5EF4-FFF2-40B4-BE49-F238E27FC236}">
+                <a16:creationId xmlns:a16="http://schemas.microsoft.com/office/drawing/2014/main" id="{79901347-71D1-0EE7-7957-A86B76DA97CA}"/>
+              </a:ext>
+            </a:extLst>
+          </p:cNvPr>
+          <p:cNvCxnSpPr>
+            <a:stCxn id="1047" idx="0"/>
+            <a:endCxn id="1026" idx="2"/>
+          </p:cNvCxnSpPr>
+          <p:nvPr/>
+        </p:nvCxnSpPr>
+        <p:spPr>
+          <a:xfrm flipH="1" flipV="1">
+            <a:off x="9057746" y="4854585"/>
+            <a:ext cx="1" cy="834076"/>
+          </a:xfrm>
+          <a:prstGeom prst="straightConnector1">
+            <a:avLst/>
+          </a:prstGeom>
+          <a:ln>
+            <a:tailEnd type="triangle"/>
+          </a:ln>
+        </p:spPr>
+        <p:style>
+          <a:lnRef idx="2">
+            <a:schemeClr val="accent1"/>
+          </a:lnRef>
+          <a:fillRef idx="0">
+            <a:schemeClr val="accent1"/>
+          </a:fillRef>
+          <a:effectRef idx="1">
+            <a:schemeClr val="accent1"/>
+          </a:effectRef>
+          <a:fontRef idx="minor">
+            <a:schemeClr val="tx1"/>
+          </a:fontRef>
+        </p:style>
+      </p:cxnSp>
+      <p:sp>
+        <p:nvSpPr>
+          <p:cNvPr id="1053" name="Multiplication Sign 1052">
+            <a:extLst>
+              <a:ext uri="{FF2B5EF4-FFF2-40B4-BE49-F238E27FC236}">
+                <a16:creationId xmlns:a16="http://schemas.microsoft.com/office/drawing/2014/main" id="{66F82C8C-964B-4990-C869-FC68A479E501}"/>
+              </a:ext>
+            </a:extLst>
+          </p:cNvPr>
+          <p:cNvSpPr/>
+          <p:nvPr/>
+        </p:nvSpPr>
+        <p:spPr>
+          <a:xfrm>
+            <a:off x="8753295" y="5069886"/>
+            <a:ext cx="608901" cy="667749"/>
+          </a:xfrm>
+          <a:prstGeom prst="mathMultiply">
+            <a:avLst>
+              <a:gd name="adj1" fmla="val 20563"/>
+            </a:avLst>
+          </a:prstGeom>
+          <a:solidFill>
+            <a:srgbClr val="FF0000"/>
+          </a:solidFill>
+          <a:ln>
+            <a:noFill/>
+          </a:ln>
+        </p:spPr>
+        <p:style>
+          <a:lnRef idx="2">
+            <a:schemeClr val="accent1">
+              <a:shade val="15000"/>
+            </a:schemeClr>
+          </a:lnRef>
+          <a:fillRef idx="1">
+            <a:schemeClr val="accent1"/>
+          </a:fillRef>
+          <a:effectRef idx="0">
+            <a:schemeClr val="accent1"/>
+          </a:effectRef>
+          <a:fontRef idx="minor">
+            <a:schemeClr val="lt1"/>
+          </a:fontRef>
+        </p:style>
+        <p:txBody>
+          <a:bodyPr rtlCol="0" anchor="ctr"/>
+          <a:lstStyle/>
+          <a:p>
+            <a:pPr algn="ctr"/>
+            <a:endParaRPr lang="en-US"/>
+          </a:p>
+        </p:txBody>
+      </p:sp>
     </p:spTree>
     <p:extLst>
       <p:ext uri="{BB962C8B-B14F-4D97-AF65-F5344CB8AC3E}">
-        <p14:creationId xmlns:p14="http://schemas.microsoft.com/office/powerpoint/2010/main" val="2345026120"/>
+        <p14:creationId xmlns:p14="http://schemas.microsoft.com/office/powerpoint/2010/main" val="1937898272"/>
       </p:ext>
     </p:extLst>
   </p:cSld>
